--- a/Презентация_Быченков_ИКБО-32-21.pptx
+++ b/Презентация_Быченков_ИКБО-32-21.pptx
@@ -9,10 +9,14 @@
     <p:sldId id="257" r:id="rId3"/>
     <p:sldId id="258" r:id="rId4"/>
     <p:sldId id="259" r:id="rId5"/>
-    <p:sldId id="263" r:id="rId6"/>
-    <p:sldId id="260" r:id="rId7"/>
-    <p:sldId id="261" r:id="rId8"/>
-    <p:sldId id="262" r:id="rId9"/>
+    <p:sldId id="264" r:id="rId6"/>
+    <p:sldId id="263" r:id="rId7"/>
+    <p:sldId id="260" r:id="rId8"/>
+    <p:sldId id="261" r:id="rId9"/>
+    <p:sldId id="265" r:id="rId10"/>
+    <p:sldId id="266" r:id="rId11"/>
+    <p:sldId id="267" r:id="rId12"/>
+    <p:sldId id="262" r:id="rId13"/>
   </p:sldIdLst>
   <p:sldSz cx="12192000" cy="6858000"/>
   <p:notesSz cx="6858000" cy="9144000"/>
@@ -120,9 +124,13 @@
             <p14:sldId id="257"/>
             <p14:sldId id="258"/>
             <p14:sldId id="259"/>
+            <p14:sldId id="264"/>
             <p14:sldId id="263"/>
             <p14:sldId id="260"/>
             <p14:sldId id="261"/>
+            <p14:sldId id="265"/>
+            <p14:sldId id="266"/>
+            <p14:sldId id="267"/>
             <p14:sldId id="262"/>
           </p14:sldIdLst>
         </p14:section>
@@ -282,7 +290,7 @@
           <a:p>
             <a:fld id="{2A366725-3AD4-4D8F-9350-9CF3FCCD27D8}" type="datetimeFigureOut">
               <a:rPr lang="ru-RU" smtClean="0"/>
-              <a:t>28.09.2023</a:t>
+              <a:t>27.02.2024</a:t>
             </a:fld>
             <a:endParaRPr lang="ru-RU"/>
           </a:p>
@@ -480,7 +488,7 @@
           <a:p>
             <a:fld id="{2A366725-3AD4-4D8F-9350-9CF3FCCD27D8}" type="datetimeFigureOut">
               <a:rPr lang="ru-RU" smtClean="0"/>
-              <a:t>28.09.2023</a:t>
+              <a:t>27.02.2024</a:t>
             </a:fld>
             <a:endParaRPr lang="ru-RU"/>
           </a:p>
@@ -688,7 +696,7 @@
           <a:p>
             <a:fld id="{2A366725-3AD4-4D8F-9350-9CF3FCCD27D8}" type="datetimeFigureOut">
               <a:rPr lang="ru-RU" smtClean="0"/>
-              <a:t>28.09.2023</a:t>
+              <a:t>27.02.2024</a:t>
             </a:fld>
             <a:endParaRPr lang="ru-RU"/>
           </a:p>
@@ -886,7 +894,7 @@
           <a:p>
             <a:fld id="{2A366725-3AD4-4D8F-9350-9CF3FCCD27D8}" type="datetimeFigureOut">
               <a:rPr lang="ru-RU" smtClean="0"/>
-              <a:t>28.09.2023</a:t>
+              <a:t>27.02.2024</a:t>
             </a:fld>
             <a:endParaRPr lang="ru-RU"/>
           </a:p>
@@ -1161,7 +1169,7 @@
           <a:p>
             <a:fld id="{2A366725-3AD4-4D8F-9350-9CF3FCCD27D8}" type="datetimeFigureOut">
               <a:rPr lang="ru-RU" smtClean="0"/>
-              <a:t>28.09.2023</a:t>
+              <a:t>27.02.2024</a:t>
             </a:fld>
             <a:endParaRPr lang="ru-RU"/>
           </a:p>
@@ -1426,7 +1434,7 @@
           <a:p>
             <a:fld id="{2A366725-3AD4-4D8F-9350-9CF3FCCD27D8}" type="datetimeFigureOut">
               <a:rPr lang="ru-RU" smtClean="0"/>
-              <a:t>28.09.2023</a:t>
+              <a:t>27.02.2024</a:t>
             </a:fld>
             <a:endParaRPr lang="ru-RU"/>
           </a:p>
@@ -1838,7 +1846,7 @@
           <a:p>
             <a:fld id="{2A366725-3AD4-4D8F-9350-9CF3FCCD27D8}" type="datetimeFigureOut">
               <a:rPr lang="ru-RU" smtClean="0"/>
-              <a:t>28.09.2023</a:t>
+              <a:t>27.02.2024</a:t>
             </a:fld>
             <a:endParaRPr lang="ru-RU"/>
           </a:p>
@@ -1979,7 +1987,7 @@
           <a:p>
             <a:fld id="{2A366725-3AD4-4D8F-9350-9CF3FCCD27D8}" type="datetimeFigureOut">
               <a:rPr lang="ru-RU" smtClean="0"/>
-              <a:t>28.09.2023</a:t>
+              <a:t>27.02.2024</a:t>
             </a:fld>
             <a:endParaRPr lang="ru-RU"/>
           </a:p>
@@ -2092,7 +2100,7 @@
           <a:p>
             <a:fld id="{2A366725-3AD4-4D8F-9350-9CF3FCCD27D8}" type="datetimeFigureOut">
               <a:rPr lang="ru-RU" smtClean="0"/>
-              <a:t>28.09.2023</a:t>
+              <a:t>27.02.2024</a:t>
             </a:fld>
             <a:endParaRPr lang="ru-RU"/>
           </a:p>
@@ -2403,7 +2411,7 @@
           <a:p>
             <a:fld id="{2A366725-3AD4-4D8F-9350-9CF3FCCD27D8}" type="datetimeFigureOut">
               <a:rPr lang="ru-RU" smtClean="0"/>
-              <a:t>28.09.2023</a:t>
+              <a:t>27.02.2024</a:t>
             </a:fld>
             <a:endParaRPr lang="ru-RU"/>
           </a:p>
@@ -2691,7 +2699,7 @@
           <a:p>
             <a:fld id="{2A366725-3AD4-4D8F-9350-9CF3FCCD27D8}" type="datetimeFigureOut">
               <a:rPr lang="ru-RU" smtClean="0"/>
-              <a:t>28.09.2023</a:t>
+              <a:t>27.02.2024</a:t>
             </a:fld>
             <a:endParaRPr lang="ru-RU"/>
           </a:p>
@@ -2932,7 +2940,7 @@
           <a:p>
             <a:fld id="{2A366725-3AD4-4D8F-9350-9CF3FCCD27D8}" type="datetimeFigureOut">
               <a:rPr lang="ru-RU" smtClean="0"/>
-              <a:t>28.09.2023</a:t>
+              <a:t>27.02.2024</a:t>
             </a:fld>
             <a:endParaRPr lang="ru-RU"/>
           </a:p>
@@ -3380,14 +3388,7 @@
             <a:pPr algn="l"/>
             <a:r>
               <a:rPr lang="ru-RU" sz="4800" dirty="0"/>
-              <a:t>Приложение</a:t>
-            </a:r>
-            <a:br>
-              <a:rPr lang="ru-RU" sz="4800" dirty="0"/>
-            </a:br>
-            <a:r>
-              <a:rPr lang="ru-RU" sz="4800" dirty="0"/>
-              <a:t>«Компания интернет-рекрутмента»</a:t>
+              <a:t>Тема: «Веб-сервис доставки продуктов питания»</a:t>
             </a:r>
           </a:p>
         </p:txBody>
@@ -3459,7 +3460,7 @@
               <a:rPr lang="ru-RU" sz="2000" dirty="0">
                 <a:latin typeface="+mn-lt"/>
               </a:rPr>
-              <a:t>Руководитель: старший преподаватель Рачков Андрей Владимирович </a:t>
+              <a:t>Руководитель: старший преподаватель Волков Михаил Юрьевич </a:t>
             </a:r>
           </a:p>
         </p:txBody>
@@ -3556,7 +3557,7 @@
                 <a:effectLst/>
                 <a:ea typeface="Times New Roman" panose="02020603050405020304" pitchFamily="18" charset="0"/>
               </a:rPr>
-              <a:t>по дисциплине: Шаблоны программных платформ языка Джава</a:t>
+              <a:t>по дисциплине: Разработка серверных частей интернет ресурсов</a:t>
             </a:r>
           </a:p>
           <a:p>
@@ -3657,7 +3658,19 @@
               <a:rPr lang="ru-RU" sz="1800" dirty="0">
                 <a:latin typeface="+mn-lt"/>
               </a:rPr>
-              <a:t>Москва, 2023 г.</a:t>
+              <a:t>Москва, 202</a:t>
+            </a:r>
+            <a:r>
+              <a:rPr lang="en-US" sz="1800" dirty="0">
+                <a:latin typeface="+mn-lt"/>
+              </a:rPr>
+              <a:t>4</a:t>
+            </a:r>
+            <a:r>
+              <a:rPr lang="ru-RU" sz="1800" dirty="0">
+                <a:latin typeface="+mn-lt"/>
+              </a:rPr>
+              <a:t> г.</a:t>
             </a:r>
           </a:p>
         </p:txBody>
@@ -3675,750 +3688,7 @@
 </p:sld>
 </file>
 
-<file path=ppt/slides/slide2.xml><?xml version="1.0" encoding="utf-8"?>
-<p:sld xmlns:a="http://schemas.openxmlformats.org/drawingml/2006/main" xmlns:r="http://schemas.openxmlformats.org/officeDocument/2006/relationships" xmlns:p="http://schemas.openxmlformats.org/presentationml/2006/main">
-  <p:cSld>
-    <p:spTree>
-      <p:nvGrpSpPr>
-        <p:cNvPr id="1" name=""/>
-        <p:cNvGrpSpPr/>
-        <p:nvPr/>
-      </p:nvGrpSpPr>
-      <p:grpSpPr>
-        <a:xfrm>
-          <a:off x="0" y="0"/>
-          <a:ext cx="0" cy="0"/>
-          <a:chOff x="0" y="0"/>
-          <a:chExt cx="0" cy="0"/>
-        </a:xfrm>
-      </p:grpSpPr>
-      <p:sp>
-        <p:nvSpPr>
-          <p:cNvPr id="3" name="Объект 2">
-            <a:extLst>
-              <a:ext uri="{FF2B5EF4-FFF2-40B4-BE49-F238E27FC236}">
-                <a16:creationId xmlns:a16="http://schemas.microsoft.com/office/drawing/2014/main" id="{673B746A-5CB9-B9FB-B80E-43BC5EC232EE}"/>
-              </a:ext>
-            </a:extLst>
-          </p:cNvPr>
-          <p:cNvSpPr>
-            <a:spLocks noGrp="1"/>
-          </p:cNvSpPr>
-          <p:nvPr>
-            <p:ph idx="1"/>
-          </p:nvPr>
-        </p:nvSpPr>
-        <p:spPr>
-          <a:xfrm>
-            <a:off x="838200" y="707922"/>
-            <a:ext cx="10515600" cy="6150077"/>
-          </a:xfrm>
-        </p:spPr>
-        <p:txBody>
-          <a:bodyPr>
-            <a:normAutofit/>
-          </a:bodyPr>
-          <a:lstStyle/>
-          <a:p>
-            <a:pPr marL="0" indent="0">
-              <a:lnSpc>
-                <a:spcPct val="100000"/>
-              </a:lnSpc>
-              <a:buNone/>
-            </a:pPr>
-            <a:r>
-              <a:rPr lang="ru-RU" sz="4000" dirty="0"/>
-              <a:t>Задачи курсовой работы:</a:t>
-            </a:r>
-          </a:p>
-          <a:p>
-            <a:pPr marL="514350" indent="-514350">
-              <a:lnSpc>
-                <a:spcPct val="100000"/>
-              </a:lnSpc>
-              <a:buFont typeface="+mj-lt"/>
-              <a:buAutoNum type="arabicPeriod"/>
-            </a:pPr>
-            <a:r>
-              <a:rPr lang="ru-RU" sz="2400" dirty="0"/>
-              <a:t>Провести анализ предметной области разрабатываемого интернет-ресурса</a:t>
-            </a:r>
-          </a:p>
-          <a:p>
-            <a:pPr marL="514350" indent="-514350">
-              <a:lnSpc>
-                <a:spcPct val="100000"/>
-              </a:lnSpc>
-              <a:buFont typeface="+mj-lt"/>
-              <a:buAutoNum type="arabicPeriod"/>
-            </a:pPr>
-            <a:r>
-              <a:rPr lang="ru-RU" sz="2400" dirty="0"/>
-              <a:t>Обосновать выбор средств ведения разработки</a:t>
-            </a:r>
-          </a:p>
-          <a:p>
-            <a:pPr marL="514350" indent="-514350">
-              <a:lnSpc>
-                <a:spcPct val="100000"/>
-              </a:lnSpc>
-              <a:buFont typeface="+mj-lt"/>
-              <a:buAutoNum type="arabicPeriod"/>
-            </a:pPr>
-            <a:r>
-              <a:rPr lang="ru-RU" sz="2400" dirty="0"/>
-              <a:t>Разработать приложение с использованием фреймворка </a:t>
-            </a:r>
-            <a:r>
-              <a:rPr lang="en-US" sz="2400" dirty="0"/>
-              <a:t>Spring</a:t>
-            </a:r>
-            <a:endParaRPr lang="ru-RU" sz="2400" dirty="0"/>
-          </a:p>
-          <a:p>
-            <a:pPr marL="514350" indent="-514350">
-              <a:lnSpc>
-                <a:spcPct val="100000"/>
-              </a:lnSpc>
-              <a:buFont typeface="+mj-lt"/>
-              <a:buAutoNum type="arabicPeriod"/>
-            </a:pPr>
-            <a:r>
-              <a:rPr lang="ru-RU" sz="2400" dirty="0"/>
-              <a:t>Провести тестирование приложения</a:t>
-            </a:r>
-          </a:p>
-        </p:txBody>
-      </p:sp>
-    </p:spTree>
-    <p:extLst>
-      <p:ext uri="{BB962C8B-B14F-4D97-AF65-F5344CB8AC3E}">
-        <p14:creationId xmlns:p14="http://schemas.microsoft.com/office/powerpoint/2010/main" val="1231622809"/>
-      </p:ext>
-    </p:extLst>
-  </p:cSld>
-  <p:clrMapOvr>
-    <a:masterClrMapping/>
-  </p:clrMapOvr>
-</p:sld>
-</file>
-
-<file path=ppt/slides/slide3.xml><?xml version="1.0" encoding="utf-8"?>
-<p:sld xmlns:a="http://schemas.openxmlformats.org/drawingml/2006/main" xmlns:r="http://schemas.openxmlformats.org/officeDocument/2006/relationships" xmlns:p="http://schemas.openxmlformats.org/presentationml/2006/main">
-  <p:cSld>
-    <p:spTree>
-      <p:nvGrpSpPr>
-        <p:cNvPr id="1" name=""/>
-        <p:cNvGrpSpPr/>
-        <p:nvPr/>
-      </p:nvGrpSpPr>
-      <p:grpSpPr>
-        <a:xfrm>
-          <a:off x="0" y="0"/>
-          <a:ext cx="0" cy="0"/>
-          <a:chOff x="0" y="0"/>
-          <a:chExt cx="0" cy="0"/>
-        </a:xfrm>
-      </p:grpSpPr>
-      <p:sp>
-        <p:nvSpPr>
-          <p:cNvPr id="3" name="Объект 2">
-            <a:extLst>
-              <a:ext uri="{FF2B5EF4-FFF2-40B4-BE49-F238E27FC236}">
-                <a16:creationId xmlns:a16="http://schemas.microsoft.com/office/drawing/2014/main" id="{7E4058CB-9E74-5087-E77B-8DCE32C44BA2}"/>
-              </a:ext>
-            </a:extLst>
-          </p:cNvPr>
-          <p:cNvSpPr>
-            <a:spLocks noGrp="1"/>
-          </p:cNvSpPr>
-          <p:nvPr>
-            <p:ph idx="1"/>
-          </p:nvPr>
-        </p:nvSpPr>
-        <p:spPr>
-          <a:xfrm>
-            <a:off x="838200" y="1544714"/>
-            <a:ext cx="9352935" cy="5262758"/>
-          </a:xfrm>
-        </p:spPr>
-        <p:txBody>
-          <a:bodyPr>
-            <a:normAutofit/>
-          </a:bodyPr>
-          <a:lstStyle/>
-          <a:p>
-            <a:pPr>
-              <a:lnSpc>
-                <a:spcPct val="125000"/>
-              </a:lnSpc>
-            </a:pPr>
-            <a:r>
-              <a:rPr lang="en-US" sz="2700" dirty="0"/>
-              <a:t>Java</a:t>
-            </a:r>
-          </a:p>
-          <a:p>
-            <a:pPr>
-              <a:lnSpc>
-                <a:spcPct val="125000"/>
-              </a:lnSpc>
-            </a:pPr>
-            <a:r>
-              <a:rPr lang="en-US" sz="2700" dirty="0"/>
-              <a:t>Gradle</a:t>
-            </a:r>
-          </a:p>
-          <a:p>
-            <a:pPr>
-              <a:lnSpc>
-                <a:spcPct val="125000"/>
-              </a:lnSpc>
-            </a:pPr>
-            <a:r>
-              <a:rPr lang="en-US" sz="2700" dirty="0"/>
-              <a:t>Spring Framework</a:t>
-            </a:r>
-          </a:p>
-          <a:p>
-            <a:pPr>
-              <a:lnSpc>
-                <a:spcPct val="125000"/>
-              </a:lnSpc>
-            </a:pPr>
-            <a:r>
-              <a:rPr lang="en-US" sz="2700" dirty="0"/>
-              <a:t>PostgreSQL</a:t>
-            </a:r>
-          </a:p>
-          <a:p>
-            <a:pPr>
-              <a:lnSpc>
-                <a:spcPct val="125000"/>
-              </a:lnSpc>
-            </a:pPr>
-            <a:r>
-              <a:rPr lang="en-US" sz="2700" dirty="0"/>
-              <a:t>KeyCloak</a:t>
-            </a:r>
-          </a:p>
-          <a:p>
-            <a:pPr>
-              <a:lnSpc>
-                <a:spcPct val="125000"/>
-              </a:lnSpc>
-            </a:pPr>
-            <a:r>
-              <a:rPr lang="en-US" sz="2700" dirty="0"/>
-              <a:t>Docker</a:t>
-            </a:r>
-            <a:endParaRPr lang="ru-RU" sz="2700" dirty="0"/>
-          </a:p>
-          <a:p>
-            <a:pPr marL="0" indent="0">
-              <a:lnSpc>
-                <a:spcPct val="125000"/>
-              </a:lnSpc>
-              <a:buNone/>
-            </a:pPr>
-            <a:br>
-              <a:rPr lang="en-US" sz="2700" dirty="0"/>
-            </a:br>
-            <a:r>
-              <a:rPr lang="ru-RU" sz="2700" dirty="0"/>
-              <a:t>Тестирование проводилось с помощью инструмента </a:t>
-            </a:r>
-            <a:r>
-              <a:rPr lang="en-US" sz="2700" dirty="0"/>
-              <a:t>Postman</a:t>
-            </a:r>
-            <a:endParaRPr lang="ru-RU" sz="2700" dirty="0"/>
-          </a:p>
-        </p:txBody>
-      </p:sp>
-      <p:pic>
-        <p:nvPicPr>
-          <p:cNvPr id="22" name="Рисунок 21">
-            <a:extLst>
-              <a:ext uri="{FF2B5EF4-FFF2-40B4-BE49-F238E27FC236}">
-                <a16:creationId xmlns:a16="http://schemas.microsoft.com/office/drawing/2014/main" id="{795E6ED1-239F-8982-1591-0ECE9A7FAA7F}"/>
-              </a:ext>
-            </a:extLst>
-          </p:cNvPr>
-          <p:cNvPicPr>
-            <a:picLocks noChangeAspect="1"/>
-          </p:cNvPicPr>
-          <p:nvPr/>
-        </p:nvPicPr>
-        <p:blipFill rotWithShape="1">
-          <a:blip r:embed="rId2">
-            <a:extLst>
-              <a:ext uri="{28A0092B-C50C-407E-A947-70E740481C1C}">
-                <a14:useLocalDpi xmlns:a14="http://schemas.microsoft.com/office/drawing/2010/main" val="0"/>
-              </a:ext>
-            </a:extLst>
-          </a:blip>
-          <a:srcRect r="67686"/>
-          <a:stretch/>
-        </p:blipFill>
-        <p:spPr>
-          <a:xfrm>
-            <a:off x="9873080" y="2719082"/>
-            <a:ext cx="1445972" cy="1419834"/>
-          </a:xfrm>
-          <a:prstGeom prst="rect">
-            <a:avLst/>
-          </a:prstGeom>
-        </p:spPr>
-      </p:pic>
-      <p:pic>
-        <p:nvPicPr>
-          <p:cNvPr id="14" name="Рисунок 13">
-            <a:extLst>
-              <a:ext uri="{FF2B5EF4-FFF2-40B4-BE49-F238E27FC236}">
-                <a16:creationId xmlns:a16="http://schemas.microsoft.com/office/drawing/2014/main" id="{7156D005-1E6F-1FFA-18F8-3CDECC0F536D}"/>
-              </a:ext>
-            </a:extLst>
-          </p:cNvPr>
-          <p:cNvPicPr>
-            <a:picLocks noChangeAspect="1"/>
-          </p:cNvPicPr>
-          <p:nvPr/>
-        </p:nvPicPr>
-        <p:blipFill>
-          <a:blip r:embed="rId3">
-            <a:extLst>
-              <a:ext uri="{28A0092B-C50C-407E-A947-70E740481C1C}">
-                <a14:useLocalDpi xmlns:a14="http://schemas.microsoft.com/office/drawing/2010/main" val="0"/>
-              </a:ext>
-            </a:extLst>
-          </a:blip>
-          <a:stretch>
-            <a:fillRect/>
-          </a:stretch>
-        </p:blipFill>
-        <p:spPr>
-          <a:xfrm>
-            <a:off x="7722675" y="1639577"/>
-            <a:ext cx="1398779" cy="1398779"/>
-          </a:xfrm>
-          <a:prstGeom prst="rect">
-            <a:avLst/>
-          </a:prstGeom>
-        </p:spPr>
-      </p:pic>
-      <p:pic>
-        <p:nvPicPr>
-          <p:cNvPr id="11" name="Рисунок 10">
-            <a:extLst>
-              <a:ext uri="{FF2B5EF4-FFF2-40B4-BE49-F238E27FC236}">
-                <a16:creationId xmlns:a16="http://schemas.microsoft.com/office/drawing/2014/main" id="{A61C49E7-61B5-33FA-A5AB-13042A695816}"/>
-              </a:ext>
-            </a:extLst>
-          </p:cNvPr>
-          <p:cNvPicPr>
-            <a:picLocks noChangeAspect="1"/>
-          </p:cNvPicPr>
-          <p:nvPr/>
-        </p:nvPicPr>
-        <p:blipFill>
-          <a:blip r:embed="rId4">
-            <a:extLst>
-              <a:ext uri="{28A0092B-C50C-407E-A947-70E740481C1C}">
-                <a14:useLocalDpi xmlns:a14="http://schemas.microsoft.com/office/drawing/2010/main" val="0"/>
-              </a:ext>
-            </a:extLst>
-          </a:blip>
-          <a:stretch>
-            <a:fillRect/>
-          </a:stretch>
-        </p:blipFill>
-        <p:spPr>
-          <a:xfrm>
-            <a:off x="5751714" y="1762910"/>
-            <a:ext cx="1282228" cy="1322831"/>
-          </a:xfrm>
-          <a:prstGeom prst="rect">
-            <a:avLst/>
-          </a:prstGeom>
-        </p:spPr>
-      </p:pic>
-      <p:pic>
-        <p:nvPicPr>
-          <p:cNvPr id="20" name="Рисунок 19">
-            <a:extLst>
-              <a:ext uri="{FF2B5EF4-FFF2-40B4-BE49-F238E27FC236}">
-                <a16:creationId xmlns:a16="http://schemas.microsoft.com/office/drawing/2014/main" id="{7D3DC5C6-B3F9-6CC1-48AC-8AEF854D4269}"/>
-              </a:ext>
-            </a:extLst>
-          </p:cNvPr>
-          <p:cNvPicPr>
-            <a:picLocks noChangeAspect="1"/>
-          </p:cNvPicPr>
-          <p:nvPr/>
-        </p:nvPicPr>
-        <p:blipFill>
-          <a:blip r:embed="rId5">
-            <a:extLst>
-              <a:ext uri="{28A0092B-C50C-407E-A947-70E740481C1C}">
-                <a14:useLocalDpi xmlns:a14="http://schemas.microsoft.com/office/drawing/2010/main" val="0"/>
-              </a:ext>
-            </a:extLst>
-          </a:blip>
-          <a:stretch>
-            <a:fillRect/>
-          </a:stretch>
-        </p:blipFill>
-        <p:spPr>
-          <a:xfrm>
-            <a:off x="3976468" y="1762910"/>
-            <a:ext cx="1235155" cy="1275446"/>
-          </a:xfrm>
-          <a:prstGeom prst="rect">
-            <a:avLst/>
-          </a:prstGeom>
-        </p:spPr>
-      </p:pic>
-      <p:pic>
-        <p:nvPicPr>
-          <p:cNvPr id="18" name="Рисунок 17">
-            <a:extLst>
-              <a:ext uri="{FF2B5EF4-FFF2-40B4-BE49-F238E27FC236}">
-                <a16:creationId xmlns:a16="http://schemas.microsoft.com/office/drawing/2014/main" id="{4AEAF6E4-59C2-B787-53CA-AD0B3B3B348F}"/>
-              </a:ext>
-            </a:extLst>
-          </p:cNvPr>
-          <p:cNvPicPr>
-            <a:picLocks noChangeAspect="1"/>
-          </p:cNvPicPr>
-          <p:nvPr/>
-        </p:nvPicPr>
-        <p:blipFill>
-          <a:blip r:embed="rId6">
-            <a:extLst>
-              <a:ext uri="{28A0092B-C50C-407E-A947-70E740481C1C}">
-                <a14:useLocalDpi xmlns:a14="http://schemas.microsoft.com/office/drawing/2010/main" val="0"/>
-              </a:ext>
-            </a:extLst>
-          </a:blip>
-          <a:stretch>
-            <a:fillRect/>
-          </a:stretch>
-        </p:blipFill>
-        <p:spPr>
-          <a:xfrm>
-            <a:off x="7565828" y="3773998"/>
-            <a:ext cx="1618519" cy="1384841"/>
-          </a:xfrm>
-          <a:prstGeom prst="rect">
-            <a:avLst/>
-          </a:prstGeom>
-        </p:spPr>
-      </p:pic>
-      <p:pic>
-        <p:nvPicPr>
-          <p:cNvPr id="9" name="Рисунок 8">
-            <a:extLst>
-              <a:ext uri="{FF2B5EF4-FFF2-40B4-BE49-F238E27FC236}">
-                <a16:creationId xmlns:a16="http://schemas.microsoft.com/office/drawing/2014/main" id="{C400904D-D8BA-C069-8ED2-9E745661FB52}"/>
-              </a:ext>
-            </a:extLst>
-          </p:cNvPr>
-          <p:cNvPicPr>
-            <a:picLocks noChangeAspect="1"/>
-          </p:cNvPicPr>
-          <p:nvPr/>
-        </p:nvPicPr>
-        <p:blipFill rotWithShape="1">
-          <a:blip r:embed="rId7">
-            <a:extLst>
-              <a:ext uri="{28A0092B-C50C-407E-A947-70E740481C1C}">
-                <a14:useLocalDpi xmlns:a14="http://schemas.microsoft.com/office/drawing/2010/main" val="0"/>
-              </a:ext>
-            </a:extLst>
-          </a:blip>
-          <a:srcRect r="72316"/>
-          <a:stretch/>
-        </p:blipFill>
-        <p:spPr>
-          <a:xfrm>
-            <a:off x="5813890" y="3862518"/>
-            <a:ext cx="1282228" cy="1190491"/>
-          </a:xfrm>
-          <a:prstGeom prst="rect">
-            <a:avLst/>
-          </a:prstGeom>
-        </p:spPr>
-      </p:pic>
-      <p:pic>
-        <p:nvPicPr>
-          <p:cNvPr id="6" name="Рисунок 5">
-            <a:extLst>
-              <a:ext uri="{FF2B5EF4-FFF2-40B4-BE49-F238E27FC236}">
-                <a16:creationId xmlns:a16="http://schemas.microsoft.com/office/drawing/2014/main" id="{B30CDBC2-1868-9CFD-461D-FA2E76C8D6D0}"/>
-              </a:ext>
-            </a:extLst>
-          </p:cNvPr>
-          <p:cNvPicPr>
-            <a:picLocks noChangeAspect="1"/>
-          </p:cNvPicPr>
-          <p:nvPr/>
-        </p:nvPicPr>
-        <p:blipFill>
-          <a:blip r:embed="rId8">
-            <a:extLst>
-              <a:ext uri="{28A0092B-C50C-407E-A947-70E740481C1C}">
-                <a14:useLocalDpi xmlns:a14="http://schemas.microsoft.com/office/drawing/2010/main" val="0"/>
-              </a:ext>
-            </a:extLst>
-          </a:blip>
-          <a:stretch>
-            <a:fillRect/>
-          </a:stretch>
-        </p:blipFill>
-        <p:spPr>
-          <a:xfrm>
-            <a:off x="3976468" y="3428999"/>
-            <a:ext cx="1055725" cy="1930659"/>
-          </a:xfrm>
-          <a:prstGeom prst="rect">
-            <a:avLst/>
-          </a:prstGeom>
-        </p:spPr>
-      </p:pic>
-      <p:sp>
-        <p:nvSpPr>
-          <p:cNvPr id="2" name="Заголовок 1">
-            <a:extLst>
-              <a:ext uri="{FF2B5EF4-FFF2-40B4-BE49-F238E27FC236}">
-                <a16:creationId xmlns:a16="http://schemas.microsoft.com/office/drawing/2014/main" id="{208077DC-7265-EA0D-D11E-73095EBBEDE8}"/>
-              </a:ext>
-            </a:extLst>
-          </p:cNvPr>
-          <p:cNvSpPr>
-            <a:spLocks noGrp="1"/>
-          </p:cNvSpPr>
-          <p:nvPr>
-            <p:ph type="title"/>
-          </p:nvPr>
-        </p:nvSpPr>
-        <p:spPr>
-          <a:xfrm>
-            <a:off x="838200" y="339914"/>
-            <a:ext cx="10515600" cy="1325563"/>
-          </a:xfrm>
-        </p:spPr>
-        <p:txBody>
-          <a:bodyPr>
-            <a:normAutofit/>
-          </a:bodyPr>
-          <a:lstStyle/>
-          <a:p>
-            <a:r>
-              <a:rPr lang="ru-RU" dirty="0">
-                <a:latin typeface="+mn-lt"/>
-              </a:rPr>
-              <a:t>Технологии разработки</a:t>
-            </a:r>
-          </a:p>
-        </p:txBody>
-      </p:sp>
-    </p:spTree>
-    <p:extLst>
-      <p:ext uri="{BB962C8B-B14F-4D97-AF65-F5344CB8AC3E}">
-        <p14:creationId xmlns:p14="http://schemas.microsoft.com/office/powerpoint/2010/main" val="3485266427"/>
-      </p:ext>
-    </p:extLst>
-  </p:cSld>
-  <p:clrMapOvr>
-    <a:masterClrMapping/>
-  </p:clrMapOvr>
-</p:sld>
-</file>
-
-<file path=ppt/slides/slide4.xml><?xml version="1.0" encoding="utf-8"?>
-<p:sld xmlns:a="http://schemas.openxmlformats.org/drawingml/2006/main" xmlns:r="http://schemas.openxmlformats.org/officeDocument/2006/relationships" xmlns:p="http://schemas.openxmlformats.org/presentationml/2006/main">
-  <p:cSld>
-    <p:spTree>
-      <p:nvGrpSpPr>
-        <p:cNvPr id="1" name=""/>
-        <p:cNvGrpSpPr/>
-        <p:nvPr/>
-      </p:nvGrpSpPr>
-      <p:grpSpPr>
-        <a:xfrm>
-          <a:off x="0" y="0"/>
-          <a:ext cx="0" cy="0"/>
-          <a:chOff x="0" y="0"/>
-          <a:chExt cx="0" cy="0"/>
-        </a:xfrm>
-      </p:grpSpPr>
-      <p:sp>
-        <p:nvSpPr>
-          <p:cNvPr id="16" name="Заголовок 1">
-            <a:extLst>
-              <a:ext uri="{FF2B5EF4-FFF2-40B4-BE49-F238E27FC236}">
-                <a16:creationId xmlns:a16="http://schemas.microsoft.com/office/drawing/2014/main" id="{1DB1A40D-460A-5BC2-9F2E-3FBE4DAC01B5}"/>
-              </a:ext>
-            </a:extLst>
-          </p:cNvPr>
-          <p:cNvSpPr txBox="1">
-            <a:spLocks/>
-          </p:cNvSpPr>
-          <p:nvPr/>
-        </p:nvSpPr>
-        <p:spPr>
-          <a:xfrm>
-            <a:off x="5077132" y="0"/>
-            <a:ext cx="10559844" cy="1818943"/>
-          </a:xfrm>
-          <a:prstGeom prst="rect">
-            <a:avLst/>
-          </a:prstGeom>
-        </p:spPr>
-        <p:txBody>
-          <a:bodyPr vert="horz" lIns="91440" tIns="45720" rIns="91440" bIns="45720" rtlCol="0" anchor="ctr">
-            <a:normAutofit/>
-          </a:bodyPr>
-          <a:lstStyle>
-            <a:lvl1pPr algn="l" defTabSz="914400" rtl="0" eaLnBrk="1" latinLnBrk="0" hangingPunct="1">
-              <a:lnSpc>
-                <a:spcPct val="90000"/>
-              </a:lnSpc>
-              <a:spcBef>
-                <a:spcPct val="0"/>
-              </a:spcBef>
-              <a:buNone/>
-              <a:defRPr sz="4400" kern="1200">
-                <a:solidFill>
-                  <a:schemeClr val="tx1"/>
-                </a:solidFill>
-                <a:latin typeface="+mj-lt"/>
-                <a:ea typeface="+mj-ea"/>
-                <a:cs typeface="+mj-cs"/>
-              </a:defRPr>
-            </a:lvl1pPr>
-          </a:lstStyle>
-          <a:p>
-            <a:r>
-              <a:rPr lang="ru-RU" sz="4000" b="1" dirty="0">
-                <a:latin typeface="+mn-lt"/>
-              </a:rPr>
-              <a:t>Логическая структура</a:t>
-            </a:r>
-            <a:br>
-              <a:rPr lang="ru-RU" sz="4000" b="1" dirty="0">
-                <a:latin typeface="+mn-lt"/>
-              </a:rPr>
-            </a:br>
-            <a:r>
-              <a:rPr lang="ru-RU" sz="4000" b="1" dirty="0">
-                <a:latin typeface="+mn-lt"/>
-              </a:rPr>
-              <a:t>веб-приложения</a:t>
-            </a:r>
-          </a:p>
-        </p:txBody>
-      </p:sp>
-      <p:pic>
-        <p:nvPicPr>
-          <p:cNvPr id="2" name="Рисунок 1">
-            <a:extLst>
-              <a:ext uri="{FF2B5EF4-FFF2-40B4-BE49-F238E27FC236}">
-                <a16:creationId xmlns:a16="http://schemas.microsoft.com/office/drawing/2014/main" id="{75CFAB84-D966-7013-ECFD-CB7710EC7EDF}"/>
-              </a:ext>
-            </a:extLst>
-          </p:cNvPr>
-          <p:cNvPicPr>
-            <a:picLocks noChangeAspect="1"/>
-          </p:cNvPicPr>
-          <p:nvPr/>
-        </p:nvPicPr>
-        <p:blipFill rotWithShape="1">
-          <a:blip r:embed="rId2"/>
-          <a:srcRect b="4314"/>
-          <a:stretch/>
-        </p:blipFill>
-        <p:spPr>
-          <a:xfrm>
-            <a:off x="250722" y="211066"/>
-            <a:ext cx="4454014" cy="6435867"/>
-          </a:xfrm>
-          <a:prstGeom prst="rect">
-            <a:avLst/>
-          </a:prstGeom>
-        </p:spPr>
-      </p:pic>
-      <p:sp>
-        <p:nvSpPr>
-          <p:cNvPr id="6" name="TextBox 5">
-            <a:extLst>
-              <a:ext uri="{FF2B5EF4-FFF2-40B4-BE49-F238E27FC236}">
-                <a16:creationId xmlns:a16="http://schemas.microsoft.com/office/drawing/2014/main" id="{BE901E8F-C75B-EED2-4692-AA7FA08461BE}"/>
-              </a:ext>
-            </a:extLst>
-          </p:cNvPr>
-          <p:cNvSpPr txBox="1"/>
-          <p:nvPr/>
-        </p:nvSpPr>
-        <p:spPr>
-          <a:xfrm>
-            <a:off x="5077132" y="1818943"/>
-            <a:ext cx="6732638" cy="4711418"/>
-          </a:xfrm>
-          <a:prstGeom prst="rect">
-            <a:avLst/>
-          </a:prstGeom>
-          <a:noFill/>
-        </p:spPr>
-        <p:txBody>
-          <a:bodyPr wrap="square">
-            <a:spAutoFit/>
-          </a:bodyPr>
-          <a:lstStyle/>
-          <a:p>
-            <a:pPr>
-              <a:lnSpc>
-                <a:spcPct val="120000"/>
-              </a:lnSpc>
-            </a:pPr>
-            <a:r>
-              <a:rPr lang="ru-RU" sz="2800" dirty="0"/>
-              <a:t>Все Java-классы разбиты по модулям и слоям, следуя по архитектурному паттерну HMVC (</a:t>
-            </a:r>
-            <a:r>
-              <a:rPr lang="ru-RU" sz="2800" dirty="0" err="1"/>
-              <a:t>Hierarchical</a:t>
-            </a:r>
-            <a:r>
-              <a:rPr lang="ru-RU" sz="2800" dirty="0"/>
-              <a:t> Model–View–</a:t>
-            </a:r>
-            <a:r>
-              <a:rPr lang="ru-RU" sz="2800" dirty="0" err="1"/>
-              <a:t>Controller</a:t>
-            </a:r>
-            <a:r>
-              <a:rPr lang="ru-RU" sz="2800" dirty="0"/>
-              <a:t>), который позволяет решить некоторые проблемы масштабируемости приложений, имеющих классическую MVC-архитектуру. Благодаря разделению по модулям, в проекте легко найти Java-файлы для любого модуля приложения</a:t>
-            </a:r>
-          </a:p>
-        </p:txBody>
-      </p:sp>
-    </p:spTree>
-    <p:extLst>
-      <p:ext uri="{BB962C8B-B14F-4D97-AF65-F5344CB8AC3E}">
-        <p14:creationId xmlns:p14="http://schemas.microsoft.com/office/powerpoint/2010/main" val="3480272732"/>
-      </p:ext>
-    </p:extLst>
-  </p:cSld>
-  <p:clrMapOvr>
-    <a:masterClrMapping/>
-  </p:clrMapOvr>
-</p:sld>
-</file>
-
-<file path=ppt/slides/slide5.xml><?xml version="1.0" encoding="utf-8"?>
+<file path=ppt/slides/slide10.xml><?xml version="1.0" encoding="utf-8"?>
 <p:sld xmlns:a="http://schemas.openxmlformats.org/drawingml/2006/main" xmlns:r="http://schemas.openxmlformats.org/officeDocument/2006/relationships" xmlns:p="http://schemas.openxmlformats.org/presentationml/2006/main">
   <p:cSld>
     <p:spTree>
@@ -4437,10 +3707,10 @@
       </p:grpSpPr>
       <p:pic>
         <p:nvPicPr>
-          <p:cNvPr id="7" name="Рисунок 6">
-            <a:extLst>
-              <a:ext uri="{FF2B5EF4-FFF2-40B4-BE49-F238E27FC236}">
-                <a16:creationId xmlns:a16="http://schemas.microsoft.com/office/drawing/2014/main" id="{93AD076A-1ABE-250C-B57E-70D09D484062}"/>
+          <p:cNvPr id="5" name="Picture 4">
+            <a:extLst>
+              <a:ext uri="{FF2B5EF4-FFF2-40B4-BE49-F238E27FC236}">
+                <a16:creationId xmlns:a16="http://schemas.microsoft.com/office/drawing/2014/main" id="{2F356494-A437-9E0A-24DC-C975B060C031}"/>
               </a:ext>
             </a:extLst>
           </p:cNvPr>
@@ -4457,8 +3727,8 @@
         </p:blipFill>
         <p:spPr>
           <a:xfrm>
-            <a:off x="265044" y="1424189"/>
-            <a:ext cx="5940823" cy="4009622"/>
+            <a:off x="0" y="0"/>
+            <a:ext cx="12192000" cy="6092790"/>
           </a:xfrm>
           <a:prstGeom prst="rect">
             <a:avLst/>
@@ -4467,10 +3737,10 @@
       </p:pic>
       <p:sp>
         <p:nvSpPr>
-          <p:cNvPr id="16" name="Заголовок 1">
-            <a:extLst>
-              <a:ext uri="{FF2B5EF4-FFF2-40B4-BE49-F238E27FC236}">
-                <a16:creationId xmlns:a16="http://schemas.microsoft.com/office/drawing/2014/main" id="{1DB1A40D-460A-5BC2-9F2E-3FBE4DAC01B5}"/>
+          <p:cNvPr id="8" name="Заголовок 1">
+            <a:extLst>
+              <a:ext uri="{FF2B5EF4-FFF2-40B4-BE49-F238E27FC236}">
+                <a16:creationId xmlns:a16="http://schemas.microsoft.com/office/drawing/2014/main" id="{F0780CC8-DA1F-4E6F-380C-802812F456DD}"/>
               </a:ext>
             </a:extLst>
           </p:cNvPr>
@@ -4481,8 +3751,8 @@
         </p:nvSpPr>
         <p:spPr>
           <a:xfrm>
-            <a:off x="590791" y="-1211"/>
-            <a:ext cx="10559844" cy="1818943"/>
+            <a:off x="2013097" y="6096959"/>
+            <a:ext cx="8165805" cy="708212"/>
           </a:xfrm>
           <a:prstGeom prst="rect">
             <a:avLst/>
@@ -4512,55 +3782,20 @@
             </a:lvl1pPr>
           </a:lstStyle>
           <a:p>
-            <a:r>
-              <a:rPr lang="en-US" sz="4000" b="1" dirty="0">
+            <a:pPr algn="ctr"/>
+            <a:r>
+              <a:rPr lang="ru-RU" sz="2800" dirty="0">
                 <a:latin typeface="+mn-lt"/>
               </a:rPr>
-              <a:t>KeyCloak </a:t>
-            </a:r>
-            <a:r>
-              <a:rPr lang="ru-RU" sz="4000" b="1" dirty="0">
-                <a:latin typeface="+mn-lt"/>
-              </a:rPr>
-              <a:t>Авторизация</a:t>
-            </a:r>
-          </a:p>
-        </p:txBody>
-      </p:sp>
-      <p:pic>
-        <p:nvPicPr>
-          <p:cNvPr id="4" name="Рисунок 3">
-            <a:extLst>
-              <a:ext uri="{FF2B5EF4-FFF2-40B4-BE49-F238E27FC236}">
-                <a16:creationId xmlns:a16="http://schemas.microsoft.com/office/drawing/2014/main" id="{D93F6320-F114-3125-ED61-5242AA347AE2}"/>
-              </a:ext>
-            </a:extLst>
-          </p:cNvPr>
-          <p:cNvPicPr>
-            <a:picLocks noChangeAspect="1"/>
-          </p:cNvPicPr>
-          <p:nvPr/>
-        </p:nvPicPr>
-        <p:blipFill>
-          <a:blip r:embed="rId3"/>
-          <a:stretch>
-            <a:fillRect/>
-          </a:stretch>
-        </p:blipFill>
-        <p:spPr>
-          <a:xfrm>
-            <a:off x="6499034" y="0"/>
-            <a:ext cx="5692966" cy="6858000"/>
-          </a:xfrm>
-          <a:prstGeom prst="rect">
-            <a:avLst/>
-          </a:prstGeom>
-        </p:spPr>
-      </p:pic>
+              <a:t>Выбор нового адреса доставки</a:t>
+            </a:r>
+          </a:p>
+        </p:txBody>
+      </p:sp>
     </p:spTree>
     <p:extLst>
       <p:ext uri="{BB962C8B-B14F-4D97-AF65-F5344CB8AC3E}">
-        <p14:creationId xmlns:p14="http://schemas.microsoft.com/office/powerpoint/2010/main" val="1526407378"/>
+        <p14:creationId xmlns:p14="http://schemas.microsoft.com/office/powerpoint/2010/main" val="3508451055"/>
       </p:ext>
     </p:extLst>
   </p:cSld>
@@ -4570,12 +3805,18 @@
 </p:sld>
 </file>
 
-<file path=ppt/slides/slide6.xml><?xml version="1.0" encoding="utf-8"?>
+<file path=ppt/slides/slide11.xml><?xml version="1.0" encoding="utf-8"?>
 <p:sld xmlns:a="http://schemas.openxmlformats.org/drawingml/2006/main" xmlns:r="http://schemas.openxmlformats.org/officeDocument/2006/relationships" xmlns:p="http://schemas.openxmlformats.org/presentationml/2006/main">
   <p:cSld>
     <p:spTree>
       <p:nvGrpSpPr>
-        <p:cNvPr id="1" name=""/>
+        <p:cNvPr id="1" name="">
+          <a:extLst>
+            <a:ext uri="{FF2B5EF4-FFF2-40B4-BE49-F238E27FC236}">
+              <a16:creationId xmlns:a16="http://schemas.microsoft.com/office/drawing/2014/main" id="{858827CD-7E81-A50E-052F-4AB981C0C029}"/>
+            </a:ext>
+          </a:extLst>
+        </p:cNvPr>
         <p:cNvGrpSpPr/>
         <p:nvPr/>
       </p:nvGrpSpPr>
@@ -4587,140 +3828,12 @@
           <a:chExt cx="0" cy="0"/>
         </a:xfrm>
       </p:grpSpPr>
-      <p:pic>
-        <p:nvPicPr>
-          <p:cNvPr id="3" name="Рисунок 2">
-            <a:extLst>
-              <a:ext uri="{FF2B5EF4-FFF2-40B4-BE49-F238E27FC236}">
-                <a16:creationId xmlns:a16="http://schemas.microsoft.com/office/drawing/2014/main" id="{B2E2F993-8405-019C-EBB6-A04806DF2A2B}"/>
-              </a:ext>
-            </a:extLst>
-          </p:cNvPr>
-          <p:cNvPicPr>
-            <a:picLocks noChangeAspect="1"/>
-          </p:cNvPicPr>
-          <p:nvPr/>
-        </p:nvPicPr>
-        <p:blipFill rotWithShape="1">
-          <a:blip r:embed="rId2"/>
-          <a:srcRect l="2816" t="844" r="3556" b="13977"/>
-          <a:stretch/>
-        </p:blipFill>
-        <p:spPr>
-          <a:xfrm>
-            <a:off x="605867" y="344556"/>
-            <a:ext cx="7491211" cy="5891243"/>
-          </a:xfrm>
-          <a:prstGeom prst="rect">
-            <a:avLst/>
-          </a:prstGeom>
-        </p:spPr>
-      </p:pic>
-      <p:pic>
-        <p:nvPicPr>
-          <p:cNvPr id="6" name="Рисунок 5">
-            <a:extLst>
-              <a:ext uri="{FF2B5EF4-FFF2-40B4-BE49-F238E27FC236}">
-                <a16:creationId xmlns:a16="http://schemas.microsoft.com/office/drawing/2014/main" id="{6A1D723D-EA47-A35E-4C0E-F805168A09AA}"/>
-              </a:ext>
-            </a:extLst>
-          </p:cNvPr>
-          <p:cNvPicPr>
-            <a:picLocks noChangeAspect="1"/>
-          </p:cNvPicPr>
-          <p:nvPr/>
-        </p:nvPicPr>
-        <p:blipFill>
-          <a:blip r:embed="rId3"/>
-          <a:stretch>
-            <a:fillRect/>
-          </a:stretch>
-        </p:blipFill>
-        <p:spPr>
-          <a:xfrm>
-            <a:off x="8381557" y="344555"/>
-            <a:ext cx="3398732" cy="5891243"/>
-          </a:xfrm>
-          <a:prstGeom prst="rect">
-            <a:avLst/>
-          </a:prstGeom>
-        </p:spPr>
-      </p:pic>
-      <p:sp>
-        <p:nvSpPr>
-          <p:cNvPr id="8" name="TextBox 7">
-            <a:extLst>
-              <a:ext uri="{FF2B5EF4-FFF2-40B4-BE49-F238E27FC236}">
-                <a16:creationId xmlns:a16="http://schemas.microsoft.com/office/drawing/2014/main" id="{95CE3718-C3A3-F392-8DD6-E935C54094E3}"/>
-              </a:ext>
-            </a:extLst>
-          </p:cNvPr>
-          <p:cNvSpPr txBox="1"/>
-          <p:nvPr/>
-        </p:nvSpPr>
-        <p:spPr>
-          <a:xfrm>
-            <a:off x="605867" y="6328778"/>
-            <a:ext cx="10804255" cy="400110"/>
-          </a:xfrm>
-          <a:prstGeom prst="rect">
-            <a:avLst/>
-          </a:prstGeom>
-          <a:noFill/>
-        </p:spPr>
-        <p:txBody>
-          <a:bodyPr wrap="square">
-            <a:spAutoFit/>
-          </a:bodyPr>
-          <a:lstStyle/>
-          <a:p>
-            <a:pPr algn="ctr"/>
-            <a:r>
-              <a:rPr lang="ru-RU" sz="2000" dirty="0"/>
-              <a:t>Написаны тестовые сценарии для каждой сущности базы данных. Всего 197 тестов</a:t>
-            </a:r>
-            <a:endParaRPr lang="ru-RU" sz="2000" dirty="0">
-              <a:latin typeface="+mn-lt"/>
-            </a:endParaRPr>
-          </a:p>
-        </p:txBody>
-      </p:sp>
-    </p:spTree>
-    <p:extLst>
-      <p:ext uri="{BB962C8B-B14F-4D97-AF65-F5344CB8AC3E}">
-        <p14:creationId xmlns:p14="http://schemas.microsoft.com/office/powerpoint/2010/main" val="1259296795"/>
-      </p:ext>
-    </p:extLst>
-  </p:cSld>
-  <p:clrMapOvr>
-    <a:masterClrMapping/>
-  </p:clrMapOvr>
-</p:sld>
-</file>
-
-<file path=ppt/slides/slide7.xml><?xml version="1.0" encoding="utf-8"?>
-<p:sld xmlns:a="http://schemas.openxmlformats.org/drawingml/2006/main" xmlns:r="http://schemas.openxmlformats.org/officeDocument/2006/relationships" xmlns:p="http://schemas.openxmlformats.org/presentationml/2006/main">
-  <p:cSld>
-    <p:spTree>
-      <p:nvGrpSpPr>
-        <p:cNvPr id="1" name=""/>
-        <p:cNvGrpSpPr/>
-        <p:nvPr/>
-      </p:nvGrpSpPr>
-      <p:grpSpPr>
-        <a:xfrm>
-          <a:off x="0" y="0"/>
-          <a:ext cx="0" cy="0"/>
-          <a:chOff x="0" y="0"/>
-          <a:chExt cx="0" cy="0"/>
-        </a:xfrm>
-      </p:grpSpPr>
-      <p:sp>
-        <p:nvSpPr>
-          <p:cNvPr id="13" name="Заголовок 1">
-            <a:extLst>
-              <a:ext uri="{FF2B5EF4-FFF2-40B4-BE49-F238E27FC236}">
-                <a16:creationId xmlns:a16="http://schemas.microsoft.com/office/drawing/2014/main" id="{F2B5CE6E-F6C3-A078-2DC0-E097AD53508C}"/>
+      <p:sp>
+        <p:nvSpPr>
+          <p:cNvPr id="8" name="Заголовок 1">
+            <a:extLst>
+              <a:ext uri="{FF2B5EF4-FFF2-40B4-BE49-F238E27FC236}">
+                <a16:creationId xmlns:a16="http://schemas.microsoft.com/office/drawing/2014/main" id="{F95E615B-98B4-3D0C-4DE8-D499CC3A2E36}"/>
               </a:ext>
             </a:extLst>
           </p:cNvPr>
@@ -4731,8 +3844,8 @@
         </p:nvSpPr>
         <p:spPr>
           <a:xfrm>
-            <a:off x="2989671" y="6057085"/>
-            <a:ext cx="5410063" cy="541656"/>
+            <a:off x="2013096" y="6065062"/>
+            <a:ext cx="8165805" cy="708212"/>
           </a:xfrm>
           <a:prstGeom prst="rect">
             <a:avLst/>
@@ -4764,61 +3877,20 @@
           <a:p>
             <a:pPr algn="ctr"/>
             <a:r>
-              <a:rPr lang="ru-RU" sz="2400" dirty="0">
+              <a:rPr lang="ru-RU" sz="2800" dirty="0">
                 <a:latin typeface="+mn-lt"/>
               </a:rPr>
-              <a:t>Примеры </a:t>
-            </a:r>
-            <a:r>
-              <a:rPr lang="en-US" sz="2400" dirty="0">
-                <a:latin typeface="+mn-lt"/>
-              </a:rPr>
-              <a:t>Postman</a:t>
-            </a:r>
-            <a:r>
-              <a:rPr lang="ru-RU" sz="2400" dirty="0">
-                <a:latin typeface="+mn-lt"/>
-              </a:rPr>
-              <a:t> запросов</a:t>
+              <a:t>Оформление заказа на доставку</a:t>
             </a:r>
           </a:p>
         </p:txBody>
       </p:sp>
       <p:pic>
         <p:nvPicPr>
-          <p:cNvPr id="6" name="Рисунок 5">
-            <a:extLst>
-              <a:ext uri="{FF2B5EF4-FFF2-40B4-BE49-F238E27FC236}">
-                <a16:creationId xmlns:a16="http://schemas.microsoft.com/office/drawing/2014/main" id="{F4E33EF6-3C56-1CE4-0EBA-31205AF77814}"/>
-              </a:ext>
-            </a:extLst>
-          </p:cNvPr>
-          <p:cNvPicPr>
-            <a:picLocks noChangeAspect="1"/>
-          </p:cNvPicPr>
-          <p:nvPr/>
-        </p:nvPicPr>
-        <p:blipFill rotWithShape="1">
-          <a:blip r:embed="rId2"/>
-          <a:srcRect r="8687"/>
-          <a:stretch/>
-        </p:blipFill>
-        <p:spPr>
-          <a:xfrm>
-            <a:off x="5694702" y="506077"/>
-            <a:ext cx="6353620" cy="5321402"/>
-          </a:xfrm>
-          <a:prstGeom prst="rect">
-            <a:avLst/>
-          </a:prstGeom>
-        </p:spPr>
-      </p:pic>
-      <p:pic>
-        <p:nvPicPr>
-          <p:cNvPr id="2" name="Рисунок 1">
-            <a:extLst>
-              <a:ext uri="{FF2B5EF4-FFF2-40B4-BE49-F238E27FC236}">
-                <a16:creationId xmlns:a16="http://schemas.microsoft.com/office/drawing/2014/main" id="{3CC5A9D8-B54C-E927-305E-999460084012}"/>
+          <p:cNvPr id="3" name="Picture 2">
+            <a:extLst>
+              <a:ext uri="{FF2B5EF4-FFF2-40B4-BE49-F238E27FC236}">
+                <a16:creationId xmlns:a16="http://schemas.microsoft.com/office/drawing/2014/main" id="{757CC578-CE5E-D7A3-5C3A-64AA8949EB0A}"/>
               </a:ext>
             </a:extLst>
           </p:cNvPr>
@@ -4828,15 +3900,15 @@
           <p:nvPr/>
         </p:nvPicPr>
         <p:blipFill>
-          <a:blip r:embed="rId3"/>
+          <a:blip r:embed="rId2"/>
           <a:stretch>
             <a:fillRect/>
           </a:stretch>
         </p:blipFill>
         <p:spPr>
           <a:xfrm>
-            <a:off x="143678" y="506078"/>
-            <a:ext cx="5492690" cy="5321402"/>
+            <a:off x="-1" y="0"/>
+            <a:ext cx="12192000" cy="5981700"/>
           </a:xfrm>
           <a:prstGeom prst="rect">
             <a:avLst/>
@@ -4846,7 +3918,7 @@
     </p:spTree>
     <p:extLst>
       <p:ext uri="{BB962C8B-B14F-4D97-AF65-F5344CB8AC3E}">
-        <p14:creationId xmlns:p14="http://schemas.microsoft.com/office/powerpoint/2010/main" val="163351871"/>
+        <p14:creationId xmlns:p14="http://schemas.microsoft.com/office/powerpoint/2010/main" val="2863325612"/>
       </p:ext>
     </p:extLst>
   </p:cSld>
@@ -4856,7 +3928,7 @@
 </p:sld>
 </file>
 
-<file path=ppt/slides/slide8.xml><?xml version="1.0" encoding="utf-8"?>
+<file path=ppt/slides/slide12.xml><?xml version="1.0" encoding="utf-8"?>
 <p:sld xmlns:a="http://schemas.openxmlformats.org/drawingml/2006/main" xmlns:r="http://schemas.openxmlformats.org/officeDocument/2006/relationships" xmlns:p="http://schemas.openxmlformats.org/presentationml/2006/main">
   <p:cSld>
     <p:spTree>
@@ -5087,15 +4159,23 @@
             </a:pPr>
             <a:r>
               <a:rPr lang="ru-RU" sz="2000" dirty="0"/>
-              <a:t>В рамках данной курсовой работы, используя возможности языка Java совместно с фреймворком Spring, разработан </a:t>
-            </a:r>
-            <a:r>
-              <a:rPr lang="ru-RU" sz="2000" dirty="0" err="1"/>
-              <a:t>RESTful</a:t>
+              <a:t>В рамках данной курсовой работы было разработано </a:t>
+            </a:r>
+            <a:r>
+              <a:rPr lang="en-US" sz="2000" dirty="0" err="1"/>
+              <a:t>fullstack</a:t>
             </a:r>
             <a:r>
               <a:rPr lang="ru-RU" sz="2000" dirty="0"/>
-              <a:t> веб-сервис для автоматизации поиска потенциальных сотрудников.</a:t>
+              <a:t> веб-приложение службы доставки продуктов</a:t>
+            </a:r>
+            <a:r>
+              <a:rPr lang="en-US" sz="2000" dirty="0"/>
+              <a:t> </a:t>
+            </a:r>
+            <a:r>
+              <a:rPr lang="ru-RU" sz="2000" dirty="0"/>
+              <a:t>питания.</a:t>
             </a:r>
           </a:p>
           <a:p>
@@ -5108,15 +4188,7 @@
             </a:pPr>
             <a:r>
               <a:rPr lang="ru-RU" sz="2000" dirty="0"/>
-              <a:t>Были использованы актуальные подходы к разработке современные веб-сервисов, включая контейнеризацию, </a:t>
-            </a:r>
-            <a:r>
-              <a:rPr lang="ru-RU" sz="2000" dirty="0" err="1"/>
-              <a:t>OAuth</a:t>
-            </a:r>
-            <a:r>
-              <a:rPr lang="ru-RU" sz="2000" dirty="0"/>
-              <a:t> 2 аутентификацию.</a:t>
+              <a:t>Были использованы наиболее актуальные подходы к разработке современных веб-приложений.</a:t>
             </a:r>
           </a:p>
           <a:p>
@@ -5129,16 +4201,17 @@
             </a:pPr>
             <a:r>
               <a:rPr lang="ru-RU" sz="2000" dirty="0"/>
-              <a:t>Для основного функционала приложения (REST API) написаны тестовые сценарии, используя </a:t>
+              <a:t>С проектом можно ознакомиться в </a:t>
             </a:r>
             <a:r>
               <a:rPr lang="ru-RU" sz="2000" dirty="0" err="1"/>
-              <a:t>Postman</a:t>
+              <a:t>GitHub</a:t>
             </a:r>
             <a:r>
               <a:rPr lang="ru-RU" sz="2000" dirty="0"/>
-              <a:t> как инструмент автоматизированного тестирования.</a:t>
-            </a:r>
+              <a:t>-репозиториях:</a:t>
+            </a:r>
+            <a:endParaRPr lang="en-US" sz="2000" dirty="0"/>
           </a:p>
           <a:p>
             <a:pPr marL="0" indent="0">
@@ -5149,17 +4222,12 @@
               <a:buNone/>
             </a:pPr>
             <a:r>
-              <a:rPr lang="ru-RU" sz="2000" dirty="0"/>
-              <a:t>С готовым проектом можно ознакомиться в </a:t>
-            </a:r>
-            <a:r>
-              <a:rPr lang="ru-RU" sz="2000" dirty="0" err="1"/>
-              <a:t>GitHub</a:t>
-            </a:r>
-            <a:r>
-              <a:rPr lang="ru-RU" sz="2000" dirty="0"/>
-              <a:t>-репозитории:</a:t>
-            </a:r>
+              <a:rPr lang="en-US" sz="2000" dirty="0">
+                <a:hlinkClick r:id="rId2"/>
+              </a:rPr>
+              <a:t>https://github.com/descenty/in-delivery-backend</a:t>
+            </a:r>
+            <a:endParaRPr lang="en-US" sz="2000" dirty="0"/>
           </a:p>
           <a:p>
             <a:pPr marL="0" indent="0">
@@ -5170,21 +4238,849 @@
               <a:buNone/>
             </a:pPr>
             <a:r>
-              <a:rPr lang="ru-RU" sz="2000" dirty="0">
-                <a:hlinkClick r:id="rId2"/>
+              <a:rPr lang="en-US" sz="2000" dirty="0">
+                <a:hlinkClick r:id="rId3"/>
               </a:rPr>
-              <a:t>https://github.com/descenty/work_in_spring</a:t>
-            </a:r>
-            <a:endParaRPr lang="ru-RU" sz="2000" dirty="0"/>
+              <a:t>https://github.com/descenty/in-delivery-frontend</a:t>
+            </a:r>
+            <a:endParaRPr lang="en-US" sz="2000" dirty="0"/>
           </a:p>
         </p:txBody>
       </p:sp>
       <p:pic>
         <p:nvPicPr>
-          <p:cNvPr id="17" name="Рисунок 16">
-            <a:extLst>
-              <a:ext uri="{FF2B5EF4-FFF2-40B4-BE49-F238E27FC236}">
-                <a16:creationId xmlns:a16="http://schemas.microsoft.com/office/drawing/2014/main" id="{24B2F780-EEDD-A485-ABDC-7C75370D85A6}"/>
+          <p:cNvPr id="5" name="Picture 4">
+            <a:extLst>
+              <a:ext uri="{FF2B5EF4-FFF2-40B4-BE49-F238E27FC236}">
+                <a16:creationId xmlns:a16="http://schemas.microsoft.com/office/drawing/2014/main" id="{AF561928-8325-212A-85E7-61EDF0BEF397}"/>
+              </a:ext>
+            </a:extLst>
+          </p:cNvPr>
+          <p:cNvPicPr>
+            <a:picLocks noChangeAspect="1"/>
+          </p:cNvPicPr>
+          <p:nvPr/>
+        </p:nvPicPr>
+        <p:blipFill>
+          <a:blip r:embed="rId4"/>
+          <a:stretch>
+            <a:fillRect/>
+          </a:stretch>
+        </p:blipFill>
+        <p:spPr>
+          <a:xfrm>
+            <a:off x="7440705" y="0"/>
+            <a:ext cx="4751295" cy="6858000"/>
+          </a:xfrm>
+          <a:prstGeom prst="rect">
+            <a:avLst/>
+          </a:prstGeom>
+        </p:spPr>
+      </p:pic>
+    </p:spTree>
+    <p:extLst>
+      <p:ext uri="{BB962C8B-B14F-4D97-AF65-F5344CB8AC3E}">
+        <p14:creationId xmlns:p14="http://schemas.microsoft.com/office/powerpoint/2010/main" val="1640362575"/>
+      </p:ext>
+    </p:extLst>
+  </p:cSld>
+  <p:clrMapOvr>
+    <a:masterClrMapping/>
+  </p:clrMapOvr>
+</p:sld>
+</file>
+
+<file path=ppt/slides/slide2.xml><?xml version="1.0" encoding="utf-8"?>
+<p:sld xmlns:a="http://schemas.openxmlformats.org/drawingml/2006/main" xmlns:r="http://schemas.openxmlformats.org/officeDocument/2006/relationships" xmlns:p="http://schemas.openxmlformats.org/presentationml/2006/main">
+  <p:cSld>
+    <p:spTree>
+      <p:nvGrpSpPr>
+        <p:cNvPr id="1" name=""/>
+        <p:cNvGrpSpPr/>
+        <p:nvPr/>
+      </p:nvGrpSpPr>
+      <p:grpSpPr>
+        <a:xfrm>
+          <a:off x="0" y="0"/>
+          <a:ext cx="0" cy="0"/>
+          <a:chOff x="0" y="0"/>
+          <a:chExt cx="0" cy="0"/>
+        </a:xfrm>
+      </p:grpSpPr>
+      <p:sp>
+        <p:nvSpPr>
+          <p:cNvPr id="3" name="Объект 2">
+            <a:extLst>
+              <a:ext uri="{FF2B5EF4-FFF2-40B4-BE49-F238E27FC236}">
+                <a16:creationId xmlns:a16="http://schemas.microsoft.com/office/drawing/2014/main" id="{673B746A-5CB9-B9FB-B80E-43BC5EC232EE}"/>
+              </a:ext>
+            </a:extLst>
+          </p:cNvPr>
+          <p:cNvSpPr>
+            <a:spLocks noGrp="1"/>
+          </p:cNvSpPr>
+          <p:nvPr>
+            <p:ph idx="1"/>
+          </p:nvPr>
+        </p:nvSpPr>
+        <p:spPr>
+          <a:xfrm>
+            <a:off x="838200" y="707922"/>
+            <a:ext cx="10515600" cy="6150077"/>
+          </a:xfrm>
+        </p:spPr>
+        <p:txBody>
+          <a:bodyPr>
+            <a:normAutofit/>
+          </a:bodyPr>
+          <a:lstStyle/>
+          <a:p>
+            <a:pPr marL="0" indent="0">
+              <a:lnSpc>
+                <a:spcPct val="100000"/>
+              </a:lnSpc>
+              <a:buNone/>
+            </a:pPr>
+            <a:r>
+              <a:rPr lang="ru-RU" sz="4000" dirty="0"/>
+              <a:t>Задачи курсовой работы:</a:t>
+            </a:r>
+          </a:p>
+          <a:p>
+            <a:pPr marL="514350" indent="-514350">
+              <a:lnSpc>
+                <a:spcPct val="100000"/>
+              </a:lnSpc>
+              <a:buFont typeface="+mj-lt"/>
+              <a:buAutoNum type="arabicPeriod"/>
+            </a:pPr>
+            <a:r>
+              <a:rPr lang="ru-RU" sz="2400" dirty="0"/>
+              <a:t>Провести анализ предметной области разрабатываемого веб-приложения</a:t>
+            </a:r>
+          </a:p>
+          <a:p>
+            <a:pPr marL="514350" indent="-514350">
+              <a:lnSpc>
+                <a:spcPct val="100000"/>
+              </a:lnSpc>
+              <a:buFont typeface="+mj-lt"/>
+              <a:buAutoNum type="arabicPeriod"/>
+            </a:pPr>
+            <a:r>
+              <a:rPr lang="ru-RU" sz="2400" dirty="0"/>
+              <a:t>Обосновать выбор технологий разработки веб-приложения</a:t>
+            </a:r>
+          </a:p>
+          <a:p>
+            <a:pPr marL="514350" indent="-514350">
+              <a:lnSpc>
+                <a:spcPct val="100000"/>
+              </a:lnSpc>
+              <a:buFont typeface="+mj-lt"/>
+              <a:buAutoNum type="arabicPeriod"/>
+            </a:pPr>
+            <a:r>
+              <a:rPr lang="ru-RU" sz="2400" dirty="0"/>
+              <a:t>Разработать архитектуру веб-приложения на основе выбранного паттерна проектирования</a:t>
+            </a:r>
+          </a:p>
+          <a:p>
+            <a:pPr marL="514350" indent="-514350">
+              <a:lnSpc>
+                <a:spcPct val="100000"/>
+              </a:lnSpc>
+              <a:buFont typeface="+mj-lt"/>
+              <a:buAutoNum type="arabicPeriod"/>
+            </a:pPr>
+            <a:r>
+              <a:rPr lang="ru-RU" sz="2400" dirty="0"/>
+              <a:t>Реализовать слой серверной логики веб-приложения с применением выбранной технологии</a:t>
+            </a:r>
+          </a:p>
+          <a:p>
+            <a:pPr marL="514350" indent="-514350">
+              <a:lnSpc>
+                <a:spcPct val="100000"/>
+              </a:lnSpc>
+              <a:buFont typeface="+mj-lt"/>
+              <a:buAutoNum type="arabicPeriod"/>
+            </a:pPr>
+            <a:r>
+              <a:rPr lang="ru-RU" sz="2400" dirty="0"/>
+              <a:t>Реализовать слой логики базы данных</a:t>
+            </a:r>
+          </a:p>
+          <a:p>
+            <a:pPr marL="514350" indent="-514350">
+              <a:lnSpc>
+                <a:spcPct val="100000"/>
+              </a:lnSpc>
+              <a:buFont typeface="+mj-lt"/>
+              <a:buAutoNum type="arabicPeriod"/>
+            </a:pPr>
+            <a:r>
+              <a:rPr lang="ru-RU" sz="2400" dirty="0"/>
+              <a:t>Разработать слой клиентского представления веб-приложения</a:t>
+            </a:r>
+          </a:p>
+        </p:txBody>
+      </p:sp>
+    </p:spTree>
+    <p:extLst>
+      <p:ext uri="{BB962C8B-B14F-4D97-AF65-F5344CB8AC3E}">
+        <p14:creationId xmlns:p14="http://schemas.microsoft.com/office/powerpoint/2010/main" val="1231622809"/>
+      </p:ext>
+    </p:extLst>
+  </p:cSld>
+  <p:clrMapOvr>
+    <a:masterClrMapping/>
+  </p:clrMapOvr>
+</p:sld>
+</file>
+
+<file path=ppt/slides/slide3.xml><?xml version="1.0" encoding="utf-8"?>
+<p:sld xmlns:a="http://schemas.openxmlformats.org/drawingml/2006/main" xmlns:r="http://schemas.openxmlformats.org/officeDocument/2006/relationships" xmlns:p="http://schemas.openxmlformats.org/presentationml/2006/main">
+  <p:cSld>
+    <p:spTree>
+      <p:nvGrpSpPr>
+        <p:cNvPr id="1" name=""/>
+        <p:cNvGrpSpPr/>
+        <p:nvPr/>
+      </p:nvGrpSpPr>
+      <p:grpSpPr>
+        <a:xfrm>
+          <a:off x="0" y="0"/>
+          <a:ext cx="0" cy="0"/>
+          <a:chOff x="0" y="0"/>
+          <a:chExt cx="0" cy="0"/>
+        </a:xfrm>
+      </p:grpSpPr>
+      <p:pic>
+        <p:nvPicPr>
+          <p:cNvPr id="26" name="Picture 25">
+            <a:extLst>
+              <a:ext uri="{FF2B5EF4-FFF2-40B4-BE49-F238E27FC236}">
+                <a16:creationId xmlns:a16="http://schemas.microsoft.com/office/drawing/2014/main" id="{C12ADEEE-B222-A04D-1304-97392DAA6FC2}"/>
+              </a:ext>
+            </a:extLst>
+          </p:cNvPr>
+          <p:cNvPicPr>
+            <a:picLocks noChangeAspect="1"/>
+          </p:cNvPicPr>
+          <p:nvPr/>
+        </p:nvPicPr>
+        <p:blipFill>
+          <a:blip r:embed="rId2">
+            <a:extLst>
+              <a:ext uri="{28A0092B-C50C-407E-A947-70E740481C1C}">
+                <a14:useLocalDpi xmlns:a14="http://schemas.microsoft.com/office/drawing/2010/main" val="0"/>
+              </a:ext>
+            </a:extLst>
+          </a:blip>
+          <a:stretch>
+            <a:fillRect/>
+          </a:stretch>
+        </p:blipFill>
+        <p:spPr>
+          <a:xfrm>
+            <a:off x="7610516" y="4506913"/>
+            <a:ext cx="2417036" cy="2417036"/>
+          </a:xfrm>
+          <a:prstGeom prst="rect">
+            <a:avLst/>
+          </a:prstGeom>
+        </p:spPr>
+      </p:pic>
+      <p:sp>
+        <p:nvSpPr>
+          <p:cNvPr id="3" name="Объект 2">
+            <a:extLst>
+              <a:ext uri="{FF2B5EF4-FFF2-40B4-BE49-F238E27FC236}">
+                <a16:creationId xmlns:a16="http://schemas.microsoft.com/office/drawing/2014/main" id="{7E4058CB-9E74-5087-E77B-8DCE32C44BA2}"/>
+              </a:ext>
+            </a:extLst>
+          </p:cNvPr>
+          <p:cNvSpPr>
+            <a:spLocks noGrp="1"/>
+          </p:cNvSpPr>
+          <p:nvPr>
+            <p:ph idx="1"/>
+          </p:nvPr>
+        </p:nvSpPr>
+        <p:spPr>
+          <a:xfrm>
+            <a:off x="838200" y="1544714"/>
+            <a:ext cx="9352935" cy="5262758"/>
+          </a:xfrm>
+        </p:spPr>
+        <p:txBody>
+          <a:bodyPr>
+            <a:normAutofit fontScale="77500" lnSpcReduction="20000"/>
+          </a:bodyPr>
+          <a:lstStyle/>
+          <a:p>
+            <a:pPr marL="0" indent="0">
+              <a:lnSpc>
+                <a:spcPct val="125000"/>
+              </a:lnSpc>
+              <a:buNone/>
+            </a:pPr>
+            <a:r>
+              <a:rPr lang="ru-RU" sz="2700" dirty="0"/>
+              <a:t>Серверная часть:</a:t>
+            </a:r>
+            <a:endParaRPr lang="en-US" sz="2700" dirty="0"/>
+          </a:p>
+          <a:p>
+            <a:pPr>
+              <a:lnSpc>
+                <a:spcPct val="125000"/>
+              </a:lnSpc>
+            </a:pPr>
+            <a:r>
+              <a:rPr lang="en-US" sz="2700" dirty="0"/>
+              <a:t>Python 3.12</a:t>
+            </a:r>
+          </a:p>
+          <a:p>
+            <a:pPr>
+              <a:lnSpc>
+                <a:spcPct val="125000"/>
+              </a:lnSpc>
+            </a:pPr>
+            <a:r>
+              <a:rPr lang="ru-RU" sz="2700" dirty="0"/>
+              <a:t>Веб-фреймворк </a:t>
+            </a:r>
+            <a:r>
+              <a:rPr lang="en-US" sz="2700" dirty="0" err="1"/>
+              <a:t>FastAPI</a:t>
+            </a:r>
+            <a:endParaRPr lang="en-US" sz="2700" dirty="0"/>
+          </a:p>
+          <a:p>
+            <a:pPr>
+              <a:lnSpc>
+                <a:spcPct val="125000"/>
+              </a:lnSpc>
+            </a:pPr>
+            <a:r>
+              <a:rPr lang="ru-RU" sz="2700" dirty="0"/>
+              <a:t>СУБД </a:t>
+            </a:r>
+            <a:r>
+              <a:rPr lang="en-US" sz="2700" dirty="0"/>
+              <a:t>PostgreSQL</a:t>
+            </a:r>
+          </a:p>
+          <a:p>
+            <a:pPr>
+              <a:lnSpc>
+                <a:spcPct val="125000"/>
+              </a:lnSpc>
+            </a:pPr>
+            <a:r>
+              <a:rPr lang="en-US" sz="2700" dirty="0"/>
+              <a:t>Identity-</a:t>
+            </a:r>
+            <a:r>
+              <a:rPr lang="ru-RU" sz="2700" dirty="0"/>
+              <a:t>провайдер </a:t>
+            </a:r>
+            <a:r>
+              <a:rPr lang="en-US" sz="2700" dirty="0" err="1"/>
+              <a:t>KeyCloak</a:t>
+            </a:r>
+            <a:endParaRPr lang="ru-RU" sz="2700" dirty="0"/>
+          </a:p>
+          <a:p>
+            <a:pPr marL="0" indent="0">
+              <a:lnSpc>
+                <a:spcPct val="125000"/>
+              </a:lnSpc>
+              <a:buNone/>
+            </a:pPr>
+            <a:r>
+              <a:rPr lang="ru-RU" sz="2700" dirty="0"/>
+              <a:t>Клиентская часть:</a:t>
+            </a:r>
+            <a:endParaRPr lang="en-US" sz="2700" dirty="0"/>
+          </a:p>
+          <a:p>
+            <a:pPr>
+              <a:lnSpc>
+                <a:spcPct val="125000"/>
+              </a:lnSpc>
+            </a:pPr>
+            <a:r>
+              <a:rPr lang="en-US" sz="2700" dirty="0"/>
+              <a:t>TypeScript</a:t>
+            </a:r>
+          </a:p>
+          <a:p>
+            <a:pPr>
+              <a:lnSpc>
+                <a:spcPct val="125000"/>
+              </a:lnSpc>
+            </a:pPr>
+            <a:r>
+              <a:rPr lang="en-US" sz="2700" dirty="0"/>
+              <a:t>React</a:t>
+            </a:r>
+            <a:r>
+              <a:rPr lang="ru-RU" sz="2700" dirty="0"/>
+              <a:t>-фреймворк </a:t>
+            </a:r>
+            <a:r>
+              <a:rPr lang="en-US" sz="2700" dirty="0"/>
+              <a:t>Next.js</a:t>
+            </a:r>
+            <a:endParaRPr lang="ru-RU" sz="2700" dirty="0"/>
+          </a:p>
+          <a:p>
+            <a:pPr>
+              <a:lnSpc>
+                <a:spcPct val="125000"/>
+              </a:lnSpc>
+            </a:pPr>
+            <a:r>
+              <a:rPr lang="en-US" sz="2700" dirty="0"/>
+              <a:t>CSS-</a:t>
+            </a:r>
+            <a:r>
+              <a:rPr lang="ru-RU" sz="2700" dirty="0"/>
+              <a:t>фреймворк </a:t>
+            </a:r>
+            <a:r>
+              <a:rPr lang="en-US" sz="2700" dirty="0"/>
+              <a:t>Tailwind CSS</a:t>
+            </a:r>
+          </a:p>
+          <a:p>
+            <a:pPr>
+              <a:lnSpc>
+                <a:spcPct val="125000"/>
+              </a:lnSpc>
+            </a:pPr>
+            <a:r>
+              <a:rPr lang="ru-RU" sz="2700" dirty="0"/>
+              <a:t>Библиотека компонентов </a:t>
+            </a:r>
+            <a:r>
+              <a:rPr lang="en-US" sz="2700" dirty="0" err="1"/>
+              <a:t>NextUI</a:t>
+            </a:r>
+            <a:endParaRPr lang="en-US" sz="2700" dirty="0"/>
+          </a:p>
+          <a:p>
+            <a:pPr>
+              <a:lnSpc>
+                <a:spcPct val="125000"/>
+              </a:lnSpc>
+            </a:pPr>
+            <a:r>
+              <a:rPr lang="ru-RU" sz="2700" dirty="0"/>
+              <a:t>Менеджер состояний </a:t>
+            </a:r>
+            <a:r>
+              <a:rPr lang="en-US" sz="2700" dirty="0"/>
+              <a:t>effector</a:t>
+            </a:r>
+          </a:p>
+        </p:txBody>
+      </p:sp>
+      <p:pic>
+        <p:nvPicPr>
+          <p:cNvPr id="14" name="Рисунок 13">
+            <a:extLst>
+              <a:ext uri="{FF2B5EF4-FFF2-40B4-BE49-F238E27FC236}">
+                <a16:creationId xmlns:a16="http://schemas.microsoft.com/office/drawing/2014/main" id="{7156D005-1E6F-1FFA-18F8-3CDECC0F536D}"/>
+              </a:ext>
+            </a:extLst>
+          </p:cNvPr>
+          <p:cNvPicPr>
+            <a:picLocks noChangeAspect="1"/>
+          </p:cNvPicPr>
+          <p:nvPr/>
+        </p:nvPicPr>
+        <p:blipFill>
+          <a:blip r:embed="rId3">
+            <a:extLst>
+              <a:ext uri="{28A0092B-C50C-407E-A947-70E740481C1C}">
+                <a14:useLocalDpi xmlns:a14="http://schemas.microsoft.com/office/drawing/2010/main" val="0"/>
+              </a:ext>
+            </a:extLst>
+          </a:blip>
+          <a:stretch>
+            <a:fillRect/>
+          </a:stretch>
+        </p:blipFill>
+        <p:spPr>
+          <a:xfrm>
+            <a:off x="8628370" y="1919337"/>
+            <a:ext cx="1398779" cy="1398779"/>
+          </a:xfrm>
+          <a:prstGeom prst="rect">
+            <a:avLst/>
+          </a:prstGeom>
+        </p:spPr>
+      </p:pic>
+      <p:pic>
+        <p:nvPicPr>
+          <p:cNvPr id="11" name="Рисунок 10">
+            <a:extLst>
+              <a:ext uri="{FF2B5EF4-FFF2-40B4-BE49-F238E27FC236}">
+                <a16:creationId xmlns:a16="http://schemas.microsoft.com/office/drawing/2014/main" id="{A61C49E7-61B5-33FA-A5AB-13042A695816}"/>
+              </a:ext>
+            </a:extLst>
+          </p:cNvPr>
+          <p:cNvPicPr>
+            <a:picLocks noChangeAspect="1"/>
+          </p:cNvPicPr>
+          <p:nvPr/>
+        </p:nvPicPr>
+        <p:blipFill>
+          <a:blip r:embed="rId4">
+            <a:extLst>
+              <a:ext uri="{28A0092B-C50C-407E-A947-70E740481C1C}">
+                <a14:useLocalDpi xmlns:a14="http://schemas.microsoft.com/office/drawing/2010/main" val="0"/>
+              </a:ext>
+            </a:extLst>
+          </a:blip>
+          <a:stretch>
+            <a:fillRect/>
+          </a:stretch>
+        </p:blipFill>
+        <p:spPr>
+          <a:xfrm>
+            <a:off x="5747013" y="5343031"/>
+            <a:ext cx="1095254" cy="1129936"/>
+          </a:xfrm>
+          <a:prstGeom prst="rect">
+            <a:avLst/>
+          </a:prstGeom>
+        </p:spPr>
+      </p:pic>
+      <p:pic>
+        <p:nvPicPr>
+          <p:cNvPr id="18" name="Рисунок 17">
+            <a:extLst>
+              <a:ext uri="{FF2B5EF4-FFF2-40B4-BE49-F238E27FC236}">
+                <a16:creationId xmlns:a16="http://schemas.microsoft.com/office/drawing/2014/main" id="{4AEAF6E4-59C2-B787-53CA-AD0B3B3B348F}"/>
+              </a:ext>
+            </a:extLst>
+          </p:cNvPr>
+          <p:cNvPicPr>
+            <a:picLocks noChangeAspect="1"/>
+          </p:cNvPicPr>
+          <p:nvPr/>
+        </p:nvPicPr>
+        <p:blipFill>
+          <a:blip r:embed="rId5">
+            <a:extLst>
+              <a:ext uri="{28A0092B-C50C-407E-A947-70E740481C1C}">
+                <a14:useLocalDpi xmlns:a14="http://schemas.microsoft.com/office/drawing/2010/main" val="0"/>
+              </a:ext>
+            </a:extLst>
+          </a:blip>
+          <a:stretch>
+            <a:fillRect/>
+          </a:stretch>
+        </p:blipFill>
+        <p:spPr>
+          <a:xfrm>
+            <a:off x="6742467" y="2599694"/>
+            <a:ext cx="1618519" cy="1384841"/>
+          </a:xfrm>
+          <a:prstGeom prst="rect">
+            <a:avLst/>
+          </a:prstGeom>
+        </p:spPr>
+      </p:pic>
+      <p:sp>
+        <p:nvSpPr>
+          <p:cNvPr id="2" name="Заголовок 1">
+            <a:extLst>
+              <a:ext uri="{FF2B5EF4-FFF2-40B4-BE49-F238E27FC236}">
+                <a16:creationId xmlns:a16="http://schemas.microsoft.com/office/drawing/2014/main" id="{208077DC-7265-EA0D-D11E-73095EBBEDE8}"/>
+              </a:ext>
+            </a:extLst>
+          </p:cNvPr>
+          <p:cNvSpPr>
+            <a:spLocks noGrp="1"/>
+          </p:cNvSpPr>
+          <p:nvPr>
+            <p:ph type="title"/>
+          </p:nvPr>
+        </p:nvSpPr>
+        <p:spPr>
+          <a:xfrm>
+            <a:off x="838200" y="339914"/>
+            <a:ext cx="10515600" cy="1325563"/>
+          </a:xfrm>
+        </p:spPr>
+        <p:txBody>
+          <a:bodyPr>
+            <a:normAutofit/>
+          </a:bodyPr>
+          <a:lstStyle/>
+          <a:p>
+            <a:r>
+              <a:rPr lang="ru-RU" dirty="0">
+                <a:latin typeface="+mn-lt"/>
+              </a:rPr>
+              <a:t>Технологии разработки</a:t>
+            </a:r>
+          </a:p>
+        </p:txBody>
+      </p:sp>
+      <p:pic>
+        <p:nvPicPr>
+          <p:cNvPr id="5" name="Picture 4">
+            <a:extLst>
+              <a:ext uri="{FF2B5EF4-FFF2-40B4-BE49-F238E27FC236}">
+                <a16:creationId xmlns:a16="http://schemas.microsoft.com/office/drawing/2014/main" id="{E27FC17D-6D2A-F50E-0AD2-9255258A59EE}"/>
+              </a:ext>
+            </a:extLst>
+          </p:cNvPr>
+          <p:cNvPicPr>
+            <a:picLocks noChangeAspect="1"/>
+          </p:cNvPicPr>
+          <p:nvPr/>
+        </p:nvPicPr>
+        <p:blipFill>
+          <a:blip r:embed="rId6">
+            <a:extLst>
+              <a:ext uri="{28A0092B-C50C-407E-A947-70E740481C1C}">
+                <a14:useLocalDpi xmlns:a14="http://schemas.microsoft.com/office/drawing/2010/main" val="0"/>
+              </a:ext>
+            </a:extLst>
+          </a:blip>
+          <a:stretch>
+            <a:fillRect/>
+          </a:stretch>
+        </p:blipFill>
+        <p:spPr>
+          <a:xfrm>
+            <a:off x="5356423" y="1670345"/>
+            <a:ext cx="1409087" cy="1544711"/>
+          </a:xfrm>
+          <a:prstGeom prst="rect">
+            <a:avLst/>
+          </a:prstGeom>
+        </p:spPr>
+      </p:pic>
+      <p:pic>
+        <p:nvPicPr>
+          <p:cNvPr id="8" name="Picture 7">
+            <a:extLst>
+              <a:ext uri="{FF2B5EF4-FFF2-40B4-BE49-F238E27FC236}">
+                <a16:creationId xmlns:a16="http://schemas.microsoft.com/office/drawing/2014/main" id="{69BDD7E4-CDB8-56E0-D6FC-2AB3C9B8A9CA}"/>
+              </a:ext>
+            </a:extLst>
+          </p:cNvPr>
+          <p:cNvPicPr>
+            <a:picLocks noChangeAspect="1"/>
+          </p:cNvPicPr>
+          <p:nvPr/>
+        </p:nvPicPr>
+        <p:blipFill>
+          <a:blip r:embed="rId7">
+            <a:extLst>
+              <a:ext uri="{28A0092B-C50C-407E-A947-70E740481C1C}">
+                <a14:useLocalDpi xmlns:a14="http://schemas.microsoft.com/office/drawing/2010/main" val="0"/>
+              </a:ext>
+            </a:extLst>
+          </a:blip>
+          <a:stretch>
+            <a:fillRect/>
+          </a:stretch>
+        </p:blipFill>
+        <p:spPr>
+          <a:xfrm>
+            <a:off x="6867693" y="800620"/>
+            <a:ext cx="3814792" cy="1374667"/>
+          </a:xfrm>
+          <a:prstGeom prst="rect">
+            <a:avLst/>
+          </a:prstGeom>
+        </p:spPr>
+      </p:pic>
+      <p:pic>
+        <p:nvPicPr>
+          <p:cNvPr id="12" name="Picture 11">
+            <a:extLst>
+              <a:ext uri="{FF2B5EF4-FFF2-40B4-BE49-F238E27FC236}">
+                <a16:creationId xmlns:a16="http://schemas.microsoft.com/office/drawing/2014/main" id="{C9067BA5-C4E5-7827-4A33-535DDCEE1802}"/>
+              </a:ext>
+            </a:extLst>
+          </p:cNvPr>
+          <p:cNvPicPr>
+            <a:picLocks noChangeAspect="1"/>
+          </p:cNvPicPr>
+          <p:nvPr/>
+        </p:nvPicPr>
+        <p:blipFill>
+          <a:blip r:embed="rId8">
+            <a:extLst>
+              <a:ext uri="{28A0092B-C50C-407E-A947-70E740481C1C}">
+                <a14:useLocalDpi xmlns:a14="http://schemas.microsoft.com/office/drawing/2010/main" val="0"/>
+              </a:ext>
+            </a:extLst>
+          </a:blip>
+          <a:stretch>
+            <a:fillRect/>
+          </a:stretch>
+        </p:blipFill>
+        <p:spPr>
+          <a:xfrm>
+            <a:off x="10257715" y="5227829"/>
+            <a:ext cx="1215565" cy="1215565"/>
+          </a:xfrm>
+          <a:prstGeom prst="rect">
+            <a:avLst/>
+          </a:prstGeom>
+        </p:spPr>
+      </p:pic>
+      <p:pic>
+        <p:nvPicPr>
+          <p:cNvPr id="28" name="Picture 27">
+            <a:extLst>
+              <a:ext uri="{FF2B5EF4-FFF2-40B4-BE49-F238E27FC236}">
+                <a16:creationId xmlns:a16="http://schemas.microsoft.com/office/drawing/2014/main" id="{DA269999-1DF9-BA8A-0AE7-7D55D70BCD81}"/>
+              </a:ext>
+            </a:extLst>
+          </p:cNvPr>
+          <p:cNvPicPr>
+            <a:picLocks noChangeAspect="1"/>
+          </p:cNvPicPr>
+          <p:nvPr/>
+        </p:nvPicPr>
+        <p:blipFill>
+          <a:blip r:embed="rId9">
+            <a:extLst>
+              <a:ext uri="{28A0092B-C50C-407E-A947-70E740481C1C}">
+                <a14:useLocalDpi xmlns:a14="http://schemas.microsoft.com/office/drawing/2010/main" val="0"/>
+              </a:ext>
+            </a:extLst>
+          </a:blip>
+          <a:stretch>
+            <a:fillRect/>
+          </a:stretch>
+        </p:blipFill>
+        <p:spPr>
+          <a:xfrm>
+            <a:off x="5374441" y="4419856"/>
+            <a:ext cx="3982480" cy="487854"/>
+          </a:xfrm>
+          <a:prstGeom prst="rect">
+            <a:avLst/>
+          </a:prstGeom>
+        </p:spPr>
+      </p:pic>
+      <p:pic>
+        <p:nvPicPr>
+          <p:cNvPr id="36" name="Picture 35">
+            <a:extLst>
+              <a:ext uri="{FF2B5EF4-FFF2-40B4-BE49-F238E27FC236}">
+                <a16:creationId xmlns:a16="http://schemas.microsoft.com/office/drawing/2014/main" id="{B2B22692-1250-375F-DD38-29B41204AD05}"/>
+              </a:ext>
+            </a:extLst>
+          </p:cNvPr>
+          <p:cNvPicPr>
+            <a:picLocks noChangeAspect="1"/>
+          </p:cNvPicPr>
+          <p:nvPr/>
+        </p:nvPicPr>
+        <p:blipFill>
+          <a:blip r:embed="rId10">
+            <a:extLst>
+              <a:ext uri="{28A0092B-C50C-407E-A947-70E740481C1C}">
+                <a14:useLocalDpi xmlns:a14="http://schemas.microsoft.com/office/drawing/2010/main" val="0"/>
+              </a:ext>
+            </a:extLst>
+          </a:blip>
+          <a:stretch>
+            <a:fillRect/>
+          </a:stretch>
+        </p:blipFill>
+        <p:spPr>
+          <a:xfrm>
+            <a:off x="9891689" y="3318116"/>
+            <a:ext cx="1581591" cy="1374667"/>
+          </a:xfrm>
+          <a:prstGeom prst="rect">
+            <a:avLst/>
+          </a:prstGeom>
+        </p:spPr>
+      </p:pic>
+    </p:spTree>
+    <p:extLst>
+      <p:ext uri="{BB962C8B-B14F-4D97-AF65-F5344CB8AC3E}">
+        <p14:creationId xmlns:p14="http://schemas.microsoft.com/office/powerpoint/2010/main" val="3485266427"/>
+      </p:ext>
+    </p:extLst>
+  </p:cSld>
+  <p:clrMapOvr>
+    <a:masterClrMapping/>
+  </p:clrMapOvr>
+</p:sld>
+</file>
+
+<file path=ppt/slides/slide4.xml><?xml version="1.0" encoding="utf-8"?>
+<p:sld xmlns:a="http://schemas.openxmlformats.org/drawingml/2006/main" xmlns:r="http://schemas.openxmlformats.org/officeDocument/2006/relationships" xmlns:p="http://schemas.openxmlformats.org/presentationml/2006/main">
+  <p:cSld>
+    <p:spTree>
+      <p:nvGrpSpPr>
+        <p:cNvPr id="1" name=""/>
+        <p:cNvGrpSpPr/>
+        <p:nvPr/>
+      </p:nvGrpSpPr>
+      <p:grpSpPr>
+        <a:xfrm>
+          <a:off x="0" y="0"/>
+          <a:ext cx="0" cy="0"/>
+          <a:chOff x="0" y="0"/>
+          <a:chExt cx="0" cy="0"/>
+        </a:xfrm>
+      </p:grpSpPr>
+      <p:pic>
+        <p:nvPicPr>
+          <p:cNvPr id="14" name="Picture 13">
+            <a:extLst>
+              <a:ext uri="{FF2B5EF4-FFF2-40B4-BE49-F238E27FC236}">
+                <a16:creationId xmlns:a16="http://schemas.microsoft.com/office/drawing/2014/main" id="{08F15899-DC52-BEC3-D294-F8F77DD36453}"/>
+              </a:ext>
+            </a:extLst>
+          </p:cNvPr>
+          <p:cNvPicPr>
+            <a:picLocks noChangeAspect="1"/>
+          </p:cNvPicPr>
+          <p:nvPr/>
+        </p:nvPicPr>
+        <p:blipFill>
+          <a:blip r:embed="rId2"/>
+          <a:stretch>
+            <a:fillRect/>
+          </a:stretch>
+        </p:blipFill>
+        <p:spPr>
+          <a:xfrm>
+            <a:off x="5606077" y="263066"/>
+            <a:ext cx="3410223" cy="4655312"/>
+          </a:xfrm>
+          <a:prstGeom prst="rect">
+            <a:avLst/>
+          </a:prstGeom>
+        </p:spPr>
+      </p:pic>
+      <p:pic>
+        <p:nvPicPr>
+          <p:cNvPr id="9" name="Picture 8">
+            <a:extLst>
+              <a:ext uri="{FF2B5EF4-FFF2-40B4-BE49-F238E27FC236}">
+                <a16:creationId xmlns:a16="http://schemas.microsoft.com/office/drawing/2014/main" id="{37D75616-3D7F-5F83-90EA-0528467C3E00}"/>
               </a:ext>
             </a:extLst>
           </p:cNvPr>
@@ -5201,8 +5097,696 @@
         </p:blipFill>
         <p:spPr>
           <a:xfrm>
-            <a:off x="7344553" y="235396"/>
-            <a:ext cx="4530460" cy="6387207"/>
+            <a:off x="4971387" y="4022171"/>
+            <a:ext cx="4679605" cy="2668454"/>
+          </a:xfrm>
+          <a:prstGeom prst="rect">
+            <a:avLst/>
+          </a:prstGeom>
+        </p:spPr>
+      </p:pic>
+      <p:sp>
+        <p:nvSpPr>
+          <p:cNvPr id="16" name="Заголовок 1">
+            <a:extLst>
+              <a:ext uri="{FF2B5EF4-FFF2-40B4-BE49-F238E27FC236}">
+                <a16:creationId xmlns:a16="http://schemas.microsoft.com/office/drawing/2014/main" id="{1DB1A40D-460A-5BC2-9F2E-3FBE4DAC01B5}"/>
+              </a:ext>
+            </a:extLst>
+          </p:cNvPr>
+          <p:cNvSpPr txBox="1">
+            <a:spLocks/>
+          </p:cNvSpPr>
+          <p:nvPr/>
+        </p:nvSpPr>
+        <p:spPr>
+          <a:xfrm>
+            <a:off x="816078" y="18288"/>
+            <a:ext cx="10559844" cy="1609846"/>
+          </a:xfrm>
+          <a:prstGeom prst="rect">
+            <a:avLst/>
+          </a:prstGeom>
+        </p:spPr>
+        <p:txBody>
+          <a:bodyPr vert="horz" lIns="91440" tIns="45720" rIns="91440" bIns="45720" rtlCol="0" anchor="ctr">
+            <a:normAutofit/>
+          </a:bodyPr>
+          <a:lstStyle>
+            <a:lvl1pPr algn="l" defTabSz="914400" rtl="0" eaLnBrk="1" latinLnBrk="0" hangingPunct="1">
+              <a:lnSpc>
+                <a:spcPct val="90000"/>
+              </a:lnSpc>
+              <a:spcBef>
+                <a:spcPct val="0"/>
+              </a:spcBef>
+              <a:buNone/>
+              <a:defRPr sz="4400" kern="1200">
+                <a:solidFill>
+                  <a:schemeClr val="tx1"/>
+                </a:solidFill>
+                <a:latin typeface="+mj-lt"/>
+                <a:ea typeface="+mj-ea"/>
+                <a:cs typeface="+mj-cs"/>
+              </a:defRPr>
+            </a:lvl1pPr>
+          </a:lstStyle>
+          <a:p>
+            <a:r>
+              <a:rPr lang="ru-RU" dirty="0">
+                <a:latin typeface="+mn-lt"/>
+              </a:rPr>
+              <a:t>Серверная часть</a:t>
+            </a:r>
+          </a:p>
+        </p:txBody>
+      </p:sp>
+      <p:pic>
+        <p:nvPicPr>
+          <p:cNvPr id="7" name="Picture 6">
+            <a:extLst>
+              <a:ext uri="{FF2B5EF4-FFF2-40B4-BE49-F238E27FC236}">
+                <a16:creationId xmlns:a16="http://schemas.microsoft.com/office/drawing/2014/main" id="{4FAE32AF-0B7D-E375-82E2-236309B99E64}"/>
+              </a:ext>
+            </a:extLst>
+          </p:cNvPr>
+          <p:cNvPicPr>
+            <a:picLocks noChangeAspect="1"/>
+          </p:cNvPicPr>
+          <p:nvPr/>
+        </p:nvPicPr>
+        <p:blipFill>
+          <a:blip r:embed="rId4"/>
+          <a:stretch>
+            <a:fillRect/>
+          </a:stretch>
+        </p:blipFill>
+        <p:spPr>
+          <a:xfrm>
+            <a:off x="9795761" y="167373"/>
+            <a:ext cx="2014009" cy="6523252"/>
+          </a:xfrm>
+          <a:prstGeom prst="rect">
+            <a:avLst/>
+          </a:prstGeom>
+        </p:spPr>
+      </p:pic>
+      <p:sp>
+        <p:nvSpPr>
+          <p:cNvPr id="12" name="Объект 2">
+            <a:extLst>
+              <a:ext uri="{FF2B5EF4-FFF2-40B4-BE49-F238E27FC236}">
+                <a16:creationId xmlns:a16="http://schemas.microsoft.com/office/drawing/2014/main" id="{19C3D88D-EC90-DC0A-7AF0-112FEE1D86C7}"/>
+              </a:ext>
+            </a:extLst>
+          </p:cNvPr>
+          <p:cNvSpPr>
+            <a:spLocks noGrp="1"/>
+          </p:cNvSpPr>
+          <p:nvPr>
+            <p:ph idx="1"/>
+          </p:nvPr>
+        </p:nvSpPr>
+        <p:spPr>
+          <a:xfrm>
+            <a:off x="816079" y="1295654"/>
+            <a:ext cx="4517922" cy="5262758"/>
+          </a:xfrm>
+        </p:spPr>
+        <p:txBody>
+          <a:bodyPr>
+            <a:normAutofit lnSpcReduction="10000"/>
+          </a:bodyPr>
+          <a:lstStyle/>
+          <a:p>
+            <a:pPr>
+              <a:lnSpc>
+                <a:spcPct val="125000"/>
+              </a:lnSpc>
+            </a:pPr>
+            <a:r>
+              <a:rPr lang="en-US" sz="2700" dirty="0"/>
+              <a:t>Python + </a:t>
+            </a:r>
+            <a:r>
+              <a:rPr lang="en-US" sz="2700" dirty="0" err="1"/>
+              <a:t>FastAPI</a:t>
+            </a:r>
+            <a:endParaRPr lang="en-US" sz="2700" dirty="0"/>
+          </a:p>
+          <a:p>
+            <a:pPr>
+              <a:lnSpc>
+                <a:spcPct val="125000"/>
+              </a:lnSpc>
+            </a:pPr>
+            <a:r>
+              <a:rPr lang="ru-RU" sz="2700" dirty="0"/>
+              <a:t>Разделение на слои </a:t>
+            </a:r>
+            <a:r>
+              <a:rPr lang="en-US" sz="2700" dirty="0"/>
+              <a:t>(MVC)</a:t>
+            </a:r>
+          </a:p>
+          <a:p>
+            <a:pPr>
+              <a:lnSpc>
+                <a:spcPct val="125000"/>
+              </a:lnSpc>
+            </a:pPr>
+            <a:r>
+              <a:rPr lang="ru-RU" sz="2700" dirty="0"/>
+              <a:t>Внедрение зависимостей (</a:t>
+            </a:r>
+            <a:r>
+              <a:rPr lang="en-US" sz="2700" dirty="0"/>
+              <a:t>DI)</a:t>
+            </a:r>
+          </a:p>
+          <a:p>
+            <a:pPr>
+              <a:lnSpc>
+                <a:spcPct val="125000"/>
+              </a:lnSpc>
+            </a:pPr>
+            <a:r>
+              <a:rPr lang="ru-RU" sz="2700" dirty="0"/>
+              <a:t>Запросы к БД на </a:t>
+            </a:r>
+            <a:r>
+              <a:rPr lang="en-US" sz="2700" dirty="0"/>
+              <a:t>SQL</a:t>
+            </a:r>
+            <a:r>
+              <a:rPr lang="ru-RU" sz="2700" dirty="0"/>
+              <a:t> без </a:t>
+            </a:r>
+            <a:r>
+              <a:rPr lang="en-US" sz="2700" dirty="0"/>
+              <a:t>ORM</a:t>
+            </a:r>
+          </a:p>
+          <a:p>
+            <a:pPr>
+              <a:lnSpc>
+                <a:spcPct val="125000"/>
+              </a:lnSpc>
+            </a:pPr>
+            <a:r>
+              <a:rPr lang="ru-RU" sz="2700" dirty="0"/>
+              <a:t>Асинхронная обработка запросов</a:t>
+            </a:r>
+          </a:p>
+          <a:p>
+            <a:pPr>
+              <a:lnSpc>
+                <a:spcPct val="125000"/>
+              </a:lnSpc>
+            </a:pPr>
+            <a:r>
+              <a:rPr lang="en-US" sz="2700" dirty="0" err="1"/>
+              <a:t>OpenAPI</a:t>
+            </a:r>
+            <a:r>
+              <a:rPr lang="ru-RU" sz="2700" dirty="0"/>
+              <a:t> документация</a:t>
+            </a:r>
+            <a:endParaRPr lang="en-US" sz="2700" dirty="0"/>
+          </a:p>
+        </p:txBody>
+      </p:sp>
+    </p:spTree>
+    <p:extLst>
+      <p:ext uri="{BB962C8B-B14F-4D97-AF65-F5344CB8AC3E}">
+        <p14:creationId xmlns:p14="http://schemas.microsoft.com/office/powerpoint/2010/main" val="3480272732"/>
+      </p:ext>
+    </p:extLst>
+  </p:cSld>
+  <p:clrMapOvr>
+    <a:masterClrMapping/>
+  </p:clrMapOvr>
+</p:sld>
+</file>
+
+<file path=ppt/slides/slide5.xml><?xml version="1.0" encoding="utf-8"?>
+<p:sld xmlns:a="http://schemas.openxmlformats.org/drawingml/2006/main" xmlns:r="http://schemas.openxmlformats.org/officeDocument/2006/relationships" xmlns:p="http://schemas.openxmlformats.org/presentationml/2006/main">
+  <p:cSld>
+    <p:spTree>
+      <p:nvGrpSpPr>
+        <p:cNvPr id="1" name="">
+          <a:extLst>
+            <a:ext uri="{FF2B5EF4-FFF2-40B4-BE49-F238E27FC236}">
+              <a16:creationId xmlns:a16="http://schemas.microsoft.com/office/drawing/2014/main" id="{423C225F-1329-1E41-0027-97731547E700}"/>
+            </a:ext>
+          </a:extLst>
+        </p:cNvPr>
+        <p:cNvGrpSpPr/>
+        <p:nvPr/>
+      </p:nvGrpSpPr>
+      <p:grpSpPr>
+        <a:xfrm>
+          <a:off x="0" y="0"/>
+          <a:ext cx="0" cy="0"/>
+          <a:chOff x="0" y="0"/>
+          <a:chExt cx="0" cy="0"/>
+        </a:xfrm>
+      </p:grpSpPr>
+      <p:pic>
+        <p:nvPicPr>
+          <p:cNvPr id="15" name="Picture 14">
+            <a:extLst>
+              <a:ext uri="{FF2B5EF4-FFF2-40B4-BE49-F238E27FC236}">
+                <a16:creationId xmlns:a16="http://schemas.microsoft.com/office/drawing/2014/main" id="{EAC783CF-24C7-ACDB-711E-AA8A82B3E813}"/>
+              </a:ext>
+            </a:extLst>
+          </p:cNvPr>
+          <p:cNvPicPr>
+            <a:picLocks noChangeAspect="1"/>
+          </p:cNvPicPr>
+          <p:nvPr/>
+        </p:nvPicPr>
+        <p:blipFill rotWithShape="1">
+          <a:blip r:embed="rId2"/>
+          <a:srcRect r="61374"/>
+          <a:stretch/>
+        </p:blipFill>
+        <p:spPr>
+          <a:xfrm>
+            <a:off x="5574482" y="1307930"/>
+            <a:ext cx="6300018" cy="4835311"/>
+          </a:xfrm>
+          <a:prstGeom prst="rect">
+            <a:avLst/>
+          </a:prstGeom>
+        </p:spPr>
+      </p:pic>
+      <p:sp>
+        <p:nvSpPr>
+          <p:cNvPr id="16" name="Заголовок 1">
+            <a:extLst>
+              <a:ext uri="{FF2B5EF4-FFF2-40B4-BE49-F238E27FC236}">
+                <a16:creationId xmlns:a16="http://schemas.microsoft.com/office/drawing/2014/main" id="{7DF4CD89-C149-CC83-653E-CDDBC51EB7D0}"/>
+              </a:ext>
+            </a:extLst>
+          </p:cNvPr>
+          <p:cNvSpPr txBox="1">
+            <a:spLocks/>
+          </p:cNvSpPr>
+          <p:nvPr/>
+        </p:nvSpPr>
+        <p:spPr>
+          <a:xfrm>
+            <a:off x="917679" y="-216338"/>
+            <a:ext cx="10559844" cy="1818943"/>
+          </a:xfrm>
+          <a:prstGeom prst="rect">
+            <a:avLst/>
+          </a:prstGeom>
+        </p:spPr>
+        <p:txBody>
+          <a:bodyPr vert="horz" lIns="91440" tIns="45720" rIns="91440" bIns="45720" rtlCol="0" anchor="ctr">
+            <a:normAutofit/>
+          </a:bodyPr>
+          <a:lstStyle>
+            <a:lvl1pPr algn="l" defTabSz="914400" rtl="0" eaLnBrk="1" latinLnBrk="0" hangingPunct="1">
+              <a:lnSpc>
+                <a:spcPct val="90000"/>
+              </a:lnSpc>
+              <a:spcBef>
+                <a:spcPct val="0"/>
+              </a:spcBef>
+              <a:buNone/>
+              <a:defRPr sz="4400" kern="1200">
+                <a:solidFill>
+                  <a:schemeClr val="tx1"/>
+                </a:solidFill>
+                <a:latin typeface="+mj-lt"/>
+                <a:ea typeface="+mj-ea"/>
+                <a:cs typeface="+mj-cs"/>
+              </a:defRPr>
+            </a:lvl1pPr>
+          </a:lstStyle>
+          <a:p>
+            <a:r>
+              <a:rPr lang="en-US" dirty="0">
+                <a:latin typeface="+mn-lt"/>
+              </a:rPr>
+              <a:t>Identity-</a:t>
+            </a:r>
+            <a:r>
+              <a:rPr lang="ru-RU" dirty="0">
+                <a:latin typeface="+mn-lt"/>
+              </a:rPr>
+              <a:t>провайдер </a:t>
+            </a:r>
+            <a:r>
+              <a:rPr lang="en-US" dirty="0" err="1">
+                <a:latin typeface="+mn-lt"/>
+              </a:rPr>
+              <a:t>KeyCloak</a:t>
+            </a:r>
+            <a:endParaRPr lang="ru-RU" dirty="0">
+              <a:latin typeface="+mn-lt"/>
+            </a:endParaRPr>
+          </a:p>
+        </p:txBody>
+      </p:sp>
+      <p:sp>
+        <p:nvSpPr>
+          <p:cNvPr id="4" name="Объект 2">
+            <a:extLst>
+              <a:ext uri="{FF2B5EF4-FFF2-40B4-BE49-F238E27FC236}">
+                <a16:creationId xmlns:a16="http://schemas.microsoft.com/office/drawing/2014/main" id="{98D8C088-F394-01FC-25D7-D2D719785BC5}"/>
+              </a:ext>
+            </a:extLst>
+          </p:cNvPr>
+          <p:cNvSpPr>
+            <a:spLocks noGrp="1"/>
+          </p:cNvSpPr>
+          <p:nvPr>
+            <p:ph idx="1"/>
+          </p:nvPr>
+        </p:nvSpPr>
+        <p:spPr>
+          <a:xfrm>
+            <a:off x="917679" y="1270254"/>
+            <a:ext cx="4517922" cy="5262758"/>
+          </a:xfrm>
+        </p:spPr>
+        <p:txBody>
+          <a:bodyPr>
+            <a:normAutofit/>
+          </a:bodyPr>
+          <a:lstStyle/>
+          <a:p>
+            <a:pPr>
+              <a:lnSpc>
+                <a:spcPct val="125000"/>
+              </a:lnSpc>
+            </a:pPr>
+            <a:r>
+              <a:rPr lang="ru-RU" sz="2700" dirty="0"/>
+              <a:t>Администрирование пользователей</a:t>
+            </a:r>
+          </a:p>
+          <a:p>
+            <a:pPr>
+              <a:lnSpc>
+                <a:spcPct val="125000"/>
+              </a:lnSpc>
+            </a:pPr>
+            <a:r>
+              <a:rPr lang="ru-RU" sz="2700" dirty="0"/>
+              <a:t>Выдача токенов доступа</a:t>
+            </a:r>
+          </a:p>
+          <a:p>
+            <a:pPr>
+              <a:lnSpc>
+                <a:spcPct val="125000"/>
+              </a:lnSpc>
+            </a:pPr>
+            <a:r>
+              <a:rPr lang="ru-RU" sz="2700" dirty="0"/>
+              <a:t>Система ролей</a:t>
+            </a:r>
+            <a:endParaRPr lang="en-US" sz="2700" dirty="0"/>
+          </a:p>
+        </p:txBody>
+      </p:sp>
+      <p:pic>
+        <p:nvPicPr>
+          <p:cNvPr id="6" name="Picture 5">
+            <a:extLst>
+              <a:ext uri="{FF2B5EF4-FFF2-40B4-BE49-F238E27FC236}">
+                <a16:creationId xmlns:a16="http://schemas.microsoft.com/office/drawing/2014/main" id="{2F576179-0368-7CE9-AF44-31F8F3505607}"/>
+              </a:ext>
+            </a:extLst>
+          </p:cNvPr>
+          <p:cNvPicPr>
+            <a:picLocks noChangeAspect="1"/>
+          </p:cNvPicPr>
+          <p:nvPr/>
+        </p:nvPicPr>
+        <p:blipFill>
+          <a:blip r:embed="rId3"/>
+          <a:stretch>
+            <a:fillRect/>
+          </a:stretch>
+        </p:blipFill>
+        <p:spPr>
+          <a:xfrm>
+            <a:off x="56307" y="4782771"/>
+            <a:ext cx="12079386" cy="1609950"/>
+          </a:xfrm>
+          <a:prstGeom prst="rect">
+            <a:avLst/>
+          </a:prstGeom>
+        </p:spPr>
+      </p:pic>
+      <p:sp>
+        <p:nvSpPr>
+          <p:cNvPr id="8" name="Rectangle 7">
+            <a:extLst>
+              <a:ext uri="{FF2B5EF4-FFF2-40B4-BE49-F238E27FC236}">
+                <a16:creationId xmlns:a16="http://schemas.microsoft.com/office/drawing/2014/main" id="{F9F04702-CEE5-3B7E-5449-9B16EFFCF118}"/>
+              </a:ext>
+            </a:extLst>
+          </p:cNvPr>
+          <p:cNvSpPr/>
+          <p:nvPr/>
+        </p:nvSpPr>
+        <p:spPr>
+          <a:xfrm>
+            <a:off x="778799" y="5497448"/>
+            <a:ext cx="638521" cy="248031"/>
+          </a:xfrm>
+          <a:prstGeom prst="rect">
+            <a:avLst/>
+          </a:prstGeom>
+          <a:solidFill>
+            <a:schemeClr val="bg1"/>
+          </a:solidFill>
+          <a:ln>
+            <a:noFill/>
+          </a:ln>
+          <a:effectLst/>
+        </p:spPr>
+        <p:style>
+          <a:lnRef idx="2">
+            <a:schemeClr val="accent1">
+              <a:shade val="15000"/>
+            </a:schemeClr>
+          </a:lnRef>
+          <a:fillRef idx="1">
+            <a:schemeClr val="accent1"/>
+          </a:fillRef>
+          <a:effectRef idx="0">
+            <a:schemeClr val="accent1"/>
+          </a:effectRef>
+          <a:fontRef idx="minor">
+            <a:schemeClr val="lt1"/>
+          </a:fontRef>
+        </p:style>
+        <p:txBody>
+          <a:bodyPr rtlCol="0" anchor="ctr"/>
+          <a:lstStyle/>
+          <a:p>
+            <a:pPr algn="ctr"/>
+            <a:endParaRPr lang="ru-RU"/>
+          </a:p>
+        </p:txBody>
+      </p:sp>
+      <p:sp>
+        <p:nvSpPr>
+          <p:cNvPr id="10" name="Rectangle 9">
+            <a:extLst>
+              <a:ext uri="{FF2B5EF4-FFF2-40B4-BE49-F238E27FC236}">
+                <a16:creationId xmlns:a16="http://schemas.microsoft.com/office/drawing/2014/main" id="{8F287342-80CB-05F7-E343-BBC638E05B69}"/>
+              </a:ext>
+            </a:extLst>
+          </p:cNvPr>
+          <p:cNvSpPr/>
+          <p:nvPr/>
+        </p:nvSpPr>
+        <p:spPr>
+          <a:xfrm>
+            <a:off x="917679" y="5945084"/>
+            <a:ext cx="638521" cy="248031"/>
+          </a:xfrm>
+          <a:prstGeom prst="rect">
+            <a:avLst/>
+          </a:prstGeom>
+          <a:solidFill>
+            <a:schemeClr val="bg1"/>
+          </a:solidFill>
+          <a:ln>
+            <a:noFill/>
+          </a:ln>
+          <a:effectLst/>
+        </p:spPr>
+        <p:style>
+          <a:lnRef idx="2">
+            <a:schemeClr val="accent1">
+              <a:shade val="15000"/>
+            </a:schemeClr>
+          </a:lnRef>
+          <a:fillRef idx="1">
+            <a:schemeClr val="accent1"/>
+          </a:fillRef>
+          <a:effectRef idx="0">
+            <a:schemeClr val="accent1"/>
+          </a:effectRef>
+          <a:fontRef idx="minor">
+            <a:schemeClr val="lt1"/>
+          </a:fontRef>
+        </p:style>
+        <p:txBody>
+          <a:bodyPr rtlCol="0" anchor="ctr"/>
+          <a:lstStyle/>
+          <a:p>
+            <a:pPr algn="ctr"/>
+            <a:endParaRPr lang="ru-RU"/>
+          </a:p>
+        </p:txBody>
+      </p:sp>
+      <p:sp>
+        <p:nvSpPr>
+          <p:cNvPr id="12" name="Rectangle 11">
+            <a:extLst>
+              <a:ext uri="{FF2B5EF4-FFF2-40B4-BE49-F238E27FC236}">
+                <a16:creationId xmlns:a16="http://schemas.microsoft.com/office/drawing/2014/main" id="{ADF8BAC0-8ED9-554F-866B-46D0464E7680}"/>
+              </a:ext>
+            </a:extLst>
+          </p:cNvPr>
+          <p:cNvSpPr/>
+          <p:nvPr/>
+        </p:nvSpPr>
+        <p:spPr>
+          <a:xfrm>
+            <a:off x="5116340" y="5945084"/>
+            <a:ext cx="638521" cy="248031"/>
+          </a:xfrm>
+          <a:prstGeom prst="rect">
+            <a:avLst/>
+          </a:prstGeom>
+          <a:solidFill>
+            <a:schemeClr val="bg1"/>
+          </a:solidFill>
+          <a:ln>
+            <a:noFill/>
+          </a:ln>
+          <a:effectLst/>
+        </p:spPr>
+        <p:style>
+          <a:lnRef idx="2">
+            <a:schemeClr val="accent1">
+              <a:shade val="15000"/>
+            </a:schemeClr>
+          </a:lnRef>
+          <a:fillRef idx="1">
+            <a:schemeClr val="accent1"/>
+          </a:fillRef>
+          <a:effectRef idx="0">
+            <a:schemeClr val="accent1"/>
+          </a:effectRef>
+          <a:fontRef idx="minor">
+            <a:schemeClr val="lt1"/>
+          </a:fontRef>
+        </p:style>
+        <p:txBody>
+          <a:bodyPr rtlCol="0" anchor="ctr"/>
+          <a:lstStyle/>
+          <a:p>
+            <a:pPr algn="ctr"/>
+            <a:endParaRPr lang="ru-RU"/>
+          </a:p>
+        </p:txBody>
+      </p:sp>
+      <p:sp>
+        <p:nvSpPr>
+          <p:cNvPr id="13" name="Rectangle 12">
+            <a:extLst>
+              <a:ext uri="{FF2B5EF4-FFF2-40B4-BE49-F238E27FC236}">
+                <a16:creationId xmlns:a16="http://schemas.microsoft.com/office/drawing/2014/main" id="{66C053B4-3B76-42D2-E60A-7C482640B04E}"/>
+              </a:ext>
+            </a:extLst>
+          </p:cNvPr>
+          <p:cNvSpPr/>
+          <p:nvPr/>
+        </p:nvSpPr>
+        <p:spPr>
+          <a:xfrm>
+            <a:off x="5096020" y="5497448"/>
+            <a:ext cx="638521" cy="248031"/>
+          </a:xfrm>
+          <a:prstGeom prst="rect">
+            <a:avLst/>
+          </a:prstGeom>
+          <a:solidFill>
+            <a:schemeClr val="bg1"/>
+          </a:solidFill>
+          <a:ln>
+            <a:noFill/>
+          </a:ln>
+          <a:effectLst/>
+        </p:spPr>
+        <p:style>
+          <a:lnRef idx="2">
+            <a:schemeClr val="accent1">
+              <a:shade val="15000"/>
+            </a:schemeClr>
+          </a:lnRef>
+          <a:fillRef idx="1">
+            <a:schemeClr val="accent1"/>
+          </a:fillRef>
+          <a:effectRef idx="0">
+            <a:schemeClr val="accent1"/>
+          </a:effectRef>
+          <a:fontRef idx="minor">
+            <a:schemeClr val="lt1"/>
+          </a:fontRef>
+        </p:style>
+        <p:txBody>
+          <a:bodyPr rtlCol="0" anchor="ctr"/>
+          <a:lstStyle/>
+          <a:p>
+            <a:pPr algn="ctr"/>
+            <a:endParaRPr lang="ru-RU"/>
+          </a:p>
+        </p:txBody>
+      </p:sp>
+      <p:pic>
+        <p:nvPicPr>
+          <p:cNvPr id="17" name="Рисунок 13">
+            <a:extLst>
+              <a:ext uri="{FF2B5EF4-FFF2-40B4-BE49-F238E27FC236}">
+                <a16:creationId xmlns:a16="http://schemas.microsoft.com/office/drawing/2014/main" id="{CF2B3CE5-9790-36AE-A98D-86B5343E56C8}"/>
+              </a:ext>
+            </a:extLst>
+          </p:cNvPr>
+          <p:cNvPicPr>
+            <a:picLocks noChangeAspect="1"/>
+          </p:cNvPicPr>
+          <p:nvPr/>
+        </p:nvPicPr>
+        <p:blipFill>
+          <a:blip r:embed="rId4">
+            <a:extLst>
+              <a:ext uri="{28A0092B-C50C-407E-A947-70E740481C1C}">
+                <a14:useLocalDpi xmlns:a14="http://schemas.microsoft.com/office/drawing/2010/main" val="0"/>
+              </a:ext>
+            </a:extLst>
+          </a:blip>
+          <a:stretch>
+            <a:fillRect/>
+          </a:stretch>
+        </p:blipFill>
+        <p:spPr>
+          <a:xfrm>
+            <a:off x="3898882" y="3233616"/>
+            <a:ext cx="2010618" cy="2010618"/>
           </a:xfrm>
           <a:prstGeom prst="rect">
             <a:avLst/>
@@ -5212,7 +5796,722 @@
     </p:spTree>
     <p:extLst>
       <p:ext uri="{BB962C8B-B14F-4D97-AF65-F5344CB8AC3E}">
-        <p14:creationId xmlns:p14="http://schemas.microsoft.com/office/powerpoint/2010/main" val="1640362575"/>
+        <p14:creationId xmlns:p14="http://schemas.microsoft.com/office/powerpoint/2010/main" val="2949243100"/>
+      </p:ext>
+    </p:extLst>
+  </p:cSld>
+  <p:clrMapOvr>
+    <a:masterClrMapping/>
+  </p:clrMapOvr>
+</p:sld>
+</file>
+
+<file path=ppt/slides/slide6.xml><?xml version="1.0" encoding="utf-8"?>
+<p:sld xmlns:a="http://schemas.openxmlformats.org/drawingml/2006/main" xmlns:r="http://schemas.openxmlformats.org/officeDocument/2006/relationships" xmlns:p="http://schemas.openxmlformats.org/presentationml/2006/main">
+  <p:cSld>
+    <p:spTree>
+      <p:nvGrpSpPr>
+        <p:cNvPr id="1" name=""/>
+        <p:cNvGrpSpPr/>
+        <p:nvPr/>
+      </p:nvGrpSpPr>
+      <p:grpSpPr>
+        <a:xfrm>
+          <a:off x="0" y="0"/>
+          <a:ext cx="0" cy="0"/>
+          <a:chOff x="0" y="0"/>
+          <a:chExt cx="0" cy="0"/>
+        </a:xfrm>
+      </p:grpSpPr>
+      <p:pic>
+        <p:nvPicPr>
+          <p:cNvPr id="3" name="Picture 2">
+            <a:extLst>
+              <a:ext uri="{FF2B5EF4-FFF2-40B4-BE49-F238E27FC236}">
+                <a16:creationId xmlns:a16="http://schemas.microsoft.com/office/drawing/2014/main" id="{2FF1EAE4-8F5F-CF52-3543-304EF4817AC9}"/>
+              </a:ext>
+            </a:extLst>
+          </p:cNvPr>
+          <p:cNvPicPr>
+            <a:picLocks noChangeAspect="1"/>
+          </p:cNvPicPr>
+          <p:nvPr/>
+        </p:nvPicPr>
+        <p:blipFill>
+          <a:blip r:embed="rId2"/>
+          <a:stretch>
+            <a:fillRect/>
+          </a:stretch>
+        </p:blipFill>
+        <p:spPr>
+          <a:xfrm>
+            <a:off x="879479" y="446199"/>
+            <a:ext cx="10433041" cy="5739448"/>
+          </a:xfrm>
+          <a:prstGeom prst="rect">
+            <a:avLst/>
+          </a:prstGeom>
+        </p:spPr>
+      </p:pic>
+      <p:sp>
+        <p:nvSpPr>
+          <p:cNvPr id="8" name="Заголовок 1">
+            <a:extLst>
+              <a:ext uri="{FF2B5EF4-FFF2-40B4-BE49-F238E27FC236}">
+                <a16:creationId xmlns:a16="http://schemas.microsoft.com/office/drawing/2014/main" id="{037E1D9A-FDE8-F336-DEF5-108238AC915A}"/>
+              </a:ext>
+            </a:extLst>
+          </p:cNvPr>
+          <p:cNvSpPr txBox="1">
+            <a:spLocks/>
+          </p:cNvSpPr>
+          <p:nvPr/>
+        </p:nvSpPr>
+        <p:spPr>
+          <a:xfrm>
+            <a:off x="4330698" y="6057695"/>
+            <a:ext cx="3530601" cy="708212"/>
+          </a:xfrm>
+          <a:prstGeom prst="rect">
+            <a:avLst/>
+          </a:prstGeom>
+        </p:spPr>
+        <p:txBody>
+          <a:bodyPr vert="horz" lIns="91440" tIns="45720" rIns="91440" bIns="45720" rtlCol="0" anchor="ctr">
+            <a:normAutofit/>
+          </a:bodyPr>
+          <a:lstStyle>
+            <a:lvl1pPr algn="l" defTabSz="914400" rtl="0" eaLnBrk="1" latinLnBrk="0" hangingPunct="1">
+              <a:lnSpc>
+                <a:spcPct val="90000"/>
+              </a:lnSpc>
+              <a:spcBef>
+                <a:spcPct val="0"/>
+              </a:spcBef>
+              <a:buNone/>
+              <a:defRPr sz="4400" kern="1200">
+                <a:solidFill>
+                  <a:schemeClr val="tx1"/>
+                </a:solidFill>
+                <a:latin typeface="+mj-lt"/>
+                <a:ea typeface="+mj-ea"/>
+                <a:cs typeface="+mj-cs"/>
+              </a:defRPr>
+            </a:lvl1pPr>
+          </a:lstStyle>
+          <a:p>
+            <a:pPr algn="ctr"/>
+            <a:r>
+              <a:rPr lang="ru-RU" sz="3200" dirty="0">
+                <a:latin typeface="+mn-lt"/>
+              </a:rPr>
+              <a:t>Структура БД</a:t>
+            </a:r>
+          </a:p>
+        </p:txBody>
+      </p:sp>
+    </p:spTree>
+    <p:extLst>
+      <p:ext uri="{BB962C8B-B14F-4D97-AF65-F5344CB8AC3E}">
+        <p14:creationId xmlns:p14="http://schemas.microsoft.com/office/powerpoint/2010/main" val="1526407378"/>
+      </p:ext>
+    </p:extLst>
+  </p:cSld>
+  <p:clrMapOvr>
+    <a:masterClrMapping/>
+  </p:clrMapOvr>
+</p:sld>
+</file>
+
+<file path=ppt/slides/slide7.xml><?xml version="1.0" encoding="utf-8"?>
+<p:sld xmlns:a="http://schemas.openxmlformats.org/drawingml/2006/main" xmlns:r="http://schemas.openxmlformats.org/officeDocument/2006/relationships" xmlns:p="http://schemas.openxmlformats.org/presentationml/2006/main">
+  <p:cSld>
+    <p:spTree>
+      <p:nvGrpSpPr>
+        <p:cNvPr id="1" name=""/>
+        <p:cNvGrpSpPr/>
+        <p:nvPr/>
+      </p:nvGrpSpPr>
+      <p:grpSpPr>
+        <a:xfrm>
+          <a:off x="0" y="0"/>
+          <a:ext cx="0" cy="0"/>
+          <a:chOff x="0" y="0"/>
+          <a:chExt cx="0" cy="0"/>
+        </a:xfrm>
+      </p:grpSpPr>
+      <p:pic>
+        <p:nvPicPr>
+          <p:cNvPr id="11" name="Picture 10">
+            <a:extLst>
+              <a:ext uri="{FF2B5EF4-FFF2-40B4-BE49-F238E27FC236}">
+                <a16:creationId xmlns:a16="http://schemas.microsoft.com/office/drawing/2014/main" id="{6F20EB67-32AB-860D-7C17-25B05D559A8B}"/>
+              </a:ext>
+            </a:extLst>
+          </p:cNvPr>
+          <p:cNvPicPr>
+            <a:picLocks noChangeAspect="1"/>
+          </p:cNvPicPr>
+          <p:nvPr/>
+        </p:nvPicPr>
+        <p:blipFill rotWithShape="1">
+          <a:blip r:embed="rId2"/>
+          <a:srcRect r="29952" b="58282"/>
+          <a:stretch/>
+        </p:blipFill>
+        <p:spPr>
+          <a:xfrm>
+            <a:off x="1494339" y="4274105"/>
+            <a:ext cx="6280285" cy="2009738"/>
+          </a:xfrm>
+          <a:prstGeom prst="rect">
+            <a:avLst/>
+          </a:prstGeom>
+        </p:spPr>
+      </p:pic>
+      <p:pic>
+        <p:nvPicPr>
+          <p:cNvPr id="9" name="Picture 8">
+            <a:extLst>
+              <a:ext uri="{FF2B5EF4-FFF2-40B4-BE49-F238E27FC236}">
+                <a16:creationId xmlns:a16="http://schemas.microsoft.com/office/drawing/2014/main" id="{4BA466DC-24ED-1914-47E7-B6FFC4B93842}"/>
+              </a:ext>
+            </a:extLst>
+          </p:cNvPr>
+          <p:cNvPicPr>
+            <a:picLocks noChangeAspect="1"/>
+          </p:cNvPicPr>
+          <p:nvPr/>
+        </p:nvPicPr>
+        <p:blipFill rotWithShape="1">
+          <a:blip r:embed="rId3"/>
+          <a:srcRect l="35931" t="5538" r="36337" b="5183"/>
+          <a:stretch/>
+        </p:blipFill>
+        <p:spPr>
+          <a:xfrm>
+            <a:off x="8452884" y="637955"/>
+            <a:ext cx="3381153" cy="5348177"/>
+          </a:xfrm>
+          <a:prstGeom prst="rect">
+            <a:avLst/>
+          </a:prstGeom>
+        </p:spPr>
+      </p:pic>
+      <p:sp>
+        <p:nvSpPr>
+          <p:cNvPr id="2" name="Заголовок 1">
+            <a:extLst>
+              <a:ext uri="{FF2B5EF4-FFF2-40B4-BE49-F238E27FC236}">
+                <a16:creationId xmlns:a16="http://schemas.microsoft.com/office/drawing/2014/main" id="{10859D1D-52EC-108B-61C4-8A2D8A4AAD0A}"/>
+              </a:ext>
+            </a:extLst>
+          </p:cNvPr>
+          <p:cNvSpPr txBox="1">
+            <a:spLocks/>
+          </p:cNvSpPr>
+          <p:nvPr/>
+        </p:nvSpPr>
+        <p:spPr>
+          <a:xfrm>
+            <a:off x="816078" y="18288"/>
+            <a:ext cx="10559844" cy="1609846"/>
+          </a:xfrm>
+          <a:prstGeom prst="rect">
+            <a:avLst/>
+          </a:prstGeom>
+        </p:spPr>
+        <p:txBody>
+          <a:bodyPr vert="horz" lIns="91440" tIns="45720" rIns="91440" bIns="45720" rtlCol="0" anchor="ctr">
+            <a:normAutofit/>
+          </a:bodyPr>
+          <a:lstStyle>
+            <a:lvl1pPr algn="l" defTabSz="914400" rtl="0" eaLnBrk="1" latinLnBrk="0" hangingPunct="1">
+              <a:lnSpc>
+                <a:spcPct val="90000"/>
+              </a:lnSpc>
+              <a:spcBef>
+                <a:spcPct val="0"/>
+              </a:spcBef>
+              <a:buNone/>
+              <a:defRPr sz="4400" kern="1200">
+                <a:solidFill>
+                  <a:schemeClr val="tx1"/>
+                </a:solidFill>
+                <a:latin typeface="+mj-lt"/>
+                <a:ea typeface="+mj-ea"/>
+                <a:cs typeface="+mj-cs"/>
+              </a:defRPr>
+            </a:lvl1pPr>
+          </a:lstStyle>
+          <a:p>
+            <a:r>
+              <a:rPr lang="ru-RU">
+                <a:latin typeface="+mn-lt"/>
+              </a:rPr>
+              <a:t>Клиентская часть</a:t>
+            </a:r>
+            <a:endParaRPr lang="ru-RU" dirty="0">
+              <a:latin typeface="+mn-lt"/>
+            </a:endParaRPr>
+          </a:p>
+        </p:txBody>
+      </p:sp>
+      <p:sp>
+        <p:nvSpPr>
+          <p:cNvPr id="5" name="TextBox 4">
+            <a:extLst>
+              <a:ext uri="{FF2B5EF4-FFF2-40B4-BE49-F238E27FC236}">
+                <a16:creationId xmlns:a16="http://schemas.microsoft.com/office/drawing/2014/main" id="{5806A981-5D9A-C675-C8A8-42FD4C26643C}"/>
+              </a:ext>
+            </a:extLst>
+          </p:cNvPr>
+          <p:cNvSpPr txBox="1"/>
+          <p:nvPr/>
+        </p:nvSpPr>
+        <p:spPr>
+          <a:xfrm>
+            <a:off x="816077" y="1229861"/>
+            <a:ext cx="7178692" cy="2745495"/>
+          </a:xfrm>
+          <a:prstGeom prst="rect">
+            <a:avLst/>
+          </a:prstGeom>
+          <a:noFill/>
+        </p:spPr>
+        <p:txBody>
+          <a:bodyPr wrap="square">
+            <a:spAutoFit/>
+          </a:bodyPr>
+          <a:lstStyle/>
+          <a:p>
+            <a:pPr marL="457200" indent="-457200">
+              <a:lnSpc>
+                <a:spcPct val="125000"/>
+              </a:lnSpc>
+              <a:buFont typeface="Arial" panose="020B0604020202020204" pitchFamily="34" charset="0"/>
+              <a:buChar char="•"/>
+            </a:pPr>
+            <a:r>
+              <a:rPr lang="en-US" sz="2800" dirty="0"/>
+              <a:t>TypeScript + Next.js</a:t>
+            </a:r>
+            <a:endParaRPr lang="ru-RU" sz="2800" dirty="0"/>
+          </a:p>
+          <a:p>
+            <a:pPr marL="457200" indent="-457200">
+              <a:lnSpc>
+                <a:spcPct val="125000"/>
+              </a:lnSpc>
+              <a:buFont typeface="Arial" panose="020B0604020202020204" pitchFamily="34" charset="0"/>
+              <a:buChar char="•"/>
+            </a:pPr>
+            <a:r>
+              <a:rPr lang="ru-RU" sz="2800" dirty="0"/>
+              <a:t>Серверный рендеринг (</a:t>
+            </a:r>
+            <a:r>
+              <a:rPr lang="en-US" sz="2800" dirty="0"/>
+              <a:t>SSR) </a:t>
+            </a:r>
+            <a:endParaRPr lang="ru-RU" sz="2800" dirty="0"/>
+          </a:p>
+          <a:p>
+            <a:pPr marL="457200" indent="-457200">
+              <a:lnSpc>
+                <a:spcPct val="125000"/>
+              </a:lnSpc>
+              <a:buFont typeface="Arial" panose="020B0604020202020204" pitchFamily="34" charset="0"/>
+              <a:buChar char="•"/>
+            </a:pPr>
+            <a:r>
+              <a:rPr lang="ru-RU" sz="2800" dirty="0"/>
+              <a:t>Интерфейс собран из готовых  компонентов библиотеки </a:t>
+            </a:r>
+            <a:r>
+              <a:rPr lang="en-US" sz="2800" dirty="0" err="1"/>
+              <a:t>NextUI</a:t>
+            </a:r>
+            <a:endParaRPr lang="ru-RU" sz="2800" dirty="0"/>
+          </a:p>
+          <a:p>
+            <a:pPr marL="457200" indent="-457200">
+              <a:lnSpc>
+                <a:spcPct val="125000"/>
+              </a:lnSpc>
+              <a:buFont typeface="Arial" panose="020B0604020202020204" pitchFamily="34" charset="0"/>
+              <a:buChar char="•"/>
+            </a:pPr>
+            <a:r>
+              <a:rPr lang="ru-RU" sz="2800" dirty="0"/>
+              <a:t>Используется </a:t>
+            </a:r>
+            <a:r>
+              <a:rPr lang="en-US" sz="2800" dirty="0"/>
+              <a:t>CSS-</a:t>
+            </a:r>
+            <a:r>
+              <a:rPr lang="ru-RU" sz="2800" dirty="0"/>
+              <a:t>фреймворк </a:t>
+            </a:r>
+            <a:r>
+              <a:rPr lang="en-US" sz="2800" dirty="0"/>
+              <a:t>Tailwind CSS</a:t>
+            </a:r>
+            <a:endParaRPr lang="ru-RU" sz="2800" dirty="0"/>
+          </a:p>
+        </p:txBody>
+      </p:sp>
+    </p:spTree>
+    <p:extLst>
+      <p:ext uri="{BB962C8B-B14F-4D97-AF65-F5344CB8AC3E}">
+        <p14:creationId xmlns:p14="http://schemas.microsoft.com/office/powerpoint/2010/main" val="1259296795"/>
+      </p:ext>
+    </p:extLst>
+  </p:cSld>
+  <p:clrMapOvr>
+    <a:masterClrMapping/>
+  </p:clrMapOvr>
+</p:sld>
+</file>
+
+<file path=ppt/slides/slide8.xml><?xml version="1.0" encoding="utf-8"?>
+<p:sld xmlns:a="http://schemas.openxmlformats.org/drawingml/2006/main" xmlns:r="http://schemas.openxmlformats.org/officeDocument/2006/relationships" xmlns:p="http://schemas.openxmlformats.org/presentationml/2006/main">
+  <p:cSld>
+    <p:spTree>
+      <p:nvGrpSpPr>
+        <p:cNvPr id="1" name=""/>
+        <p:cNvGrpSpPr/>
+        <p:nvPr/>
+      </p:nvGrpSpPr>
+      <p:grpSpPr>
+        <a:xfrm>
+          <a:off x="0" y="0"/>
+          <a:ext cx="0" cy="0"/>
+          <a:chOff x="0" y="0"/>
+          <a:chExt cx="0" cy="0"/>
+        </a:xfrm>
+      </p:grpSpPr>
+      <p:sp>
+        <p:nvSpPr>
+          <p:cNvPr id="13" name="Заголовок 1">
+            <a:extLst>
+              <a:ext uri="{FF2B5EF4-FFF2-40B4-BE49-F238E27FC236}">
+                <a16:creationId xmlns:a16="http://schemas.microsoft.com/office/drawing/2014/main" id="{F2B5CE6E-F6C3-A078-2DC0-E097AD53508C}"/>
+              </a:ext>
+            </a:extLst>
+          </p:cNvPr>
+          <p:cNvSpPr txBox="1">
+            <a:spLocks/>
+          </p:cNvSpPr>
+          <p:nvPr/>
+        </p:nvSpPr>
+        <p:spPr>
+          <a:xfrm>
+            <a:off x="2375561" y="2654530"/>
+            <a:ext cx="7440873" cy="541656"/>
+          </a:xfrm>
+          <a:prstGeom prst="rect">
+            <a:avLst/>
+          </a:prstGeom>
+        </p:spPr>
+        <p:txBody>
+          <a:bodyPr vert="horz" lIns="91440" tIns="45720" rIns="91440" bIns="45720" rtlCol="0" anchor="ctr">
+            <a:normAutofit/>
+          </a:bodyPr>
+          <a:lstStyle>
+            <a:lvl1pPr algn="l" defTabSz="914400" rtl="0" eaLnBrk="1" latinLnBrk="0" hangingPunct="1">
+              <a:lnSpc>
+                <a:spcPct val="90000"/>
+              </a:lnSpc>
+              <a:spcBef>
+                <a:spcPct val="0"/>
+              </a:spcBef>
+              <a:buNone/>
+              <a:defRPr sz="4400" kern="1200">
+                <a:solidFill>
+                  <a:schemeClr val="tx1"/>
+                </a:solidFill>
+                <a:latin typeface="+mj-lt"/>
+                <a:ea typeface="+mj-ea"/>
+                <a:cs typeface="+mj-cs"/>
+              </a:defRPr>
+            </a:lvl1pPr>
+          </a:lstStyle>
+          <a:p>
+            <a:pPr algn="ctr"/>
+            <a:r>
+              <a:rPr lang="ru-RU" sz="2400" dirty="0">
+                <a:latin typeface="+mn-lt"/>
+              </a:rPr>
+              <a:t>Функции для отправки </a:t>
+            </a:r>
+            <a:r>
+              <a:rPr lang="en-US" sz="2400" dirty="0">
+                <a:latin typeface="+mn-lt"/>
+              </a:rPr>
+              <a:t>HTTP-</a:t>
+            </a:r>
+            <a:r>
+              <a:rPr lang="ru-RU" sz="2400" dirty="0">
+                <a:latin typeface="+mn-lt"/>
+              </a:rPr>
+              <a:t>запросов на сервер</a:t>
+            </a:r>
+          </a:p>
+        </p:txBody>
+      </p:sp>
+      <p:pic>
+        <p:nvPicPr>
+          <p:cNvPr id="4" name="Picture 3">
+            <a:extLst>
+              <a:ext uri="{FF2B5EF4-FFF2-40B4-BE49-F238E27FC236}">
+                <a16:creationId xmlns:a16="http://schemas.microsoft.com/office/drawing/2014/main" id="{4DF88A48-57FB-9C7B-F302-C53C90824783}"/>
+              </a:ext>
+            </a:extLst>
+          </p:cNvPr>
+          <p:cNvPicPr>
+            <a:picLocks noChangeAspect="1"/>
+          </p:cNvPicPr>
+          <p:nvPr/>
+        </p:nvPicPr>
+        <p:blipFill rotWithShape="1">
+          <a:blip r:embed="rId2"/>
+          <a:srcRect t="37248"/>
+          <a:stretch/>
+        </p:blipFill>
+        <p:spPr>
+          <a:xfrm>
+            <a:off x="1885358" y="3196186"/>
+            <a:ext cx="8421275" cy="3090601"/>
+          </a:xfrm>
+          <a:prstGeom prst="rect">
+            <a:avLst/>
+          </a:prstGeom>
+        </p:spPr>
+      </p:pic>
+      <p:pic>
+        <p:nvPicPr>
+          <p:cNvPr id="7" name="Picture 6">
+            <a:extLst>
+              <a:ext uri="{FF2B5EF4-FFF2-40B4-BE49-F238E27FC236}">
+                <a16:creationId xmlns:a16="http://schemas.microsoft.com/office/drawing/2014/main" id="{C6D28DD4-9B45-24B6-FC36-4F2CF69D43BB}"/>
+              </a:ext>
+            </a:extLst>
+          </p:cNvPr>
+          <p:cNvPicPr>
+            <a:picLocks noChangeAspect="1"/>
+          </p:cNvPicPr>
+          <p:nvPr/>
+        </p:nvPicPr>
+        <p:blipFill rotWithShape="1">
+          <a:blip r:embed="rId3"/>
+          <a:srcRect r="11657"/>
+          <a:stretch/>
+        </p:blipFill>
+        <p:spPr>
+          <a:xfrm>
+            <a:off x="710608" y="169053"/>
+            <a:ext cx="10770783" cy="2425290"/>
+          </a:xfrm>
+          <a:prstGeom prst="rect">
+            <a:avLst/>
+          </a:prstGeom>
+        </p:spPr>
+      </p:pic>
+      <p:sp>
+        <p:nvSpPr>
+          <p:cNvPr id="8" name="Заголовок 1">
+            <a:extLst>
+              <a:ext uri="{FF2B5EF4-FFF2-40B4-BE49-F238E27FC236}">
+                <a16:creationId xmlns:a16="http://schemas.microsoft.com/office/drawing/2014/main" id="{316FF9B2-E1CE-8919-C8CB-E1106D7C27FC}"/>
+              </a:ext>
+            </a:extLst>
+          </p:cNvPr>
+          <p:cNvSpPr txBox="1">
+            <a:spLocks/>
+          </p:cNvSpPr>
+          <p:nvPr/>
+        </p:nvSpPr>
+        <p:spPr>
+          <a:xfrm>
+            <a:off x="2919593" y="6316344"/>
+            <a:ext cx="6352807" cy="541656"/>
+          </a:xfrm>
+          <a:prstGeom prst="rect">
+            <a:avLst/>
+          </a:prstGeom>
+        </p:spPr>
+        <p:txBody>
+          <a:bodyPr vert="horz" lIns="91440" tIns="45720" rIns="91440" bIns="45720" rtlCol="0" anchor="ctr">
+            <a:normAutofit/>
+          </a:bodyPr>
+          <a:lstStyle>
+            <a:lvl1pPr algn="l" defTabSz="914400" rtl="0" eaLnBrk="1" latinLnBrk="0" hangingPunct="1">
+              <a:lnSpc>
+                <a:spcPct val="90000"/>
+              </a:lnSpc>
+              <a:spcBef>
+                <a:spcPct val="0"/>
+              </a:spcBef>
+              <a:buNone/>
+              <a:defRPr sz="4400" kern="1200">
+                <a:solidFill>
+                  <a:schemeClr val="tx1"/>
+                </a:solidFill>
+                <a:latin typeface="+mj-lt"/>
+                <a:ea typeface="+mj-ea"/>
+                <a:cs typeface="+mj-cs"/>
+              </a:defRPr>
+            </a:lvl1pPr>
+          </a:lstStyle>
+          <a:p>
+            <a:pPr algn="ctr"/>
+            <a:r>
+              <a:rPr lang="ru-RU" sz="2400" dirty="0">
+                <a:latin typeface="+mn-lt"/>
+              </a:rPr>
+              <a:t>Управление состоянием корзины </a:t>
+            </a:r>
+            <a:r>
+              <a:rPr lang="en-US" sz="2400" dirty="0">
+                <a:latin typeface="+mn-lt"/>
+              </a:rPr>
+              <a:t>(effector)</a:t>
+            </a:r>
+            <a:endParaRPr lang="ru-RU" sz="2400" dirty="0">
+              <a:latin typeface="+mn-lt"/>
+            </a:endParaRPr>
+          </a:p>
+        </p:txBody>
+      </p:sp>
+    </p:spTree>
+    <p:extLst>
+      <p:ext uri="{BB962C8B-B14F-4D97-AF65-F5344CB8AC3E}">
+        <p14:creationId xmlns:p14="http://schemas.microsoft.com/office/powerpoint/2010/main" val="163351871"/>
+      </p:ext>
+    </p:extLst>
+  </p:cSld>
+  <p:clrMapOvr>
+    <a:masterClrMapping/>
+  </p:clrMapOvr>
+</p:sld>
+</file>
+
+<file path=ppt/slides/slide9.xml><?xml version="1.0" encoding="utf-8"?>
+<p:sld xmlns:a="http://schemas.openxmlformats.org/drawingml/2006/main" xmlns:r="http://schemas.openxmlformats.org/officeDocument/2006/relationships" xmlns:p="http://schemas.openxmlformats.org/presentationml/2006/main">
+  <p:cSld>
+    <p:spTree>
+      <p:nvGrpSpPr>
+        <p:cNvPr id="1" name="">
+          <a:extLst>
+            <a:ext uri="{FF2B5EF4-FFF2-40B4-BE49-F238E27FC236}">
+              <a16:creationId xmlns:a16="http://schemas.microsoft.com/office/drawing/2014/main" id="{43B61FF3-D934-074C-30E8-CC58CC12A516}"/>
+            </a:ext>
+          </a:extLst>
+        </p:cNvPr>
+        <p:cNvGrpSpPr/>
+        <p:nvPr/>
+      </p:nvGrpSpPr>
+      <p:grpSpPr>
+        <a:xfrm>
+          <a:off x="0" y="0"/>
+          <a:ext cx="0" cy="0"/>
+          <a:chOff x="0" y="0"/>
+          <a:chExt cx="0" cy="0"/>
+        </a:xfrm>
+      </p:grpSpPr>
+      <p:sp>
+        <p:nvSpPr>
+          <p:cNvPr id="6" name="Заголовок 1">
+            <a:extLst>
+              <a:ext uri="{FF2B5EF4-FFF2-40B4-BE49-F238E27FC236}">
+                <a16:creationId xmlns:a16="http://schemas.microsoft.com/office/drawing/2014/main" id="{087832EF-26F6-CDE9-C6F0-4ECB81E5ACC9}"/>
+              </a:ext>
+            </a:extLst>
+          </p:cNvPr>
+          <p:cNvSpPr txBox="1">
+            <a:spLocks/>
+          </p:cNvSpPr>
+          <p:nvPr/>
+        </p:nvSpPr>
+        <p:spPr>
+          <a:xfrm>
+            <a:off x="2013097" y="6064840"/>
+            <a:ext cx="8576931" cy="708212"/>
+          </a:xfrm>
+          <a:prstGeom prst="rect">
+            <a:avLst/>
+          </a:prstGeom>
+        </p:spPr>
+        <p:txBody>
+          <a:bodyPr vert="horz" lIns="91440" tIns="45720" rIns="91440" bIns="45720" rtlCol="0" anchor="ctr">
+            <a:normAutofit/>
+          </a:bodyPr>
+          <a:lstStyle>
+            <a:lvl1pPr algn="l" defTabSz="914400" rtl="0" eaLnBrk="1" latinLnBrk="0" hangingPunct="1">
+              <a:lnSpc>
+                <a:spcPct val="90000"/>
+              </a:lnSpc>
+              <a:spcBef>
+                <a:spcPct val="0"/>
+              </a:spcBef>
+              <a:buNone/>
+              <a:defRPr sz="4400" kern="1200">
+                <a:solidFill>
+                  <a:schemeClr val="tx1"/>
+                </a:solidFill>
+                <a:latin typeface="+mj-lt"/>
+                <a:ea typeface="+mj-ea"/>
+                <a:cs typeface="+mj-cs"/>
+              </a:defRPr>
+            </a:lvl1pPr>
+          </a:lstStyle>
+          <a:p>
+            <a:pPr algn="ctr"/>
+            <a:r>
+              <a:rPr lang="ru-RU" sz="2800" dirty="0">
+                <a:latin typeface="+mn-lt"/>
+              </a:rPr>
+              <a:t>Внешний вид приложения (подкатегория «Конфеты»)</a:t>
+            </a:r>
+          </a:p>
+        </p:txBody>
+      </p:sp>
+      <p:pic>
+        <p:nvPicPr>
+          <p:cNvPr id="8" name="Picture 7">
+            <a:extLst>
+              <a:ext uri="{FF2B5EF4-FFF2-40B4-BE49-F238E27FC236}">
+                <a16:creationId xmlns:a16="http://schemas.microsoft.com/office/drawing/2014/main" id="{D583616A-0440-EBCE-4615-3EDBDC838808}"/>
+              </a:ext>
+            </a:extLst>
+          </p:cNvPr>
+          <p:cNvPicPr>
+            <a:picLocks noChangeAspect="1"/>
+          </p:cNvPicPr>
+          <p:nvPr/>
+        </p:nvPicPr>
+        <p:blipFill>
+          <a:blip r:embed="rId2"/>
+          <a:stretch>
+            <a:fillRect/>
+          </a:stretch>
+        </p:blipFill>
+        <p:spPr>
+          <a:xfrm>
+            <a:off x="-1" y="133940"/>
+            <a:ext cx="12192000" cy="5930900"/>
+          </a:xfrm>
+          <a:prstGeom prst="rect">
+            <a:avLst/>
+          </a:prstGeom>
+        </p:spPr>
+      </p:pic>
+    </p:spTree>
+    <p:extLst>
+      <p:ext uri="{BB962C8B-B14F-4D97-AF65-F5344CB8AC3E}">
+        <p14:creationId xmlns:p14="http://schemas.microsoft.com/office/powerpoint/2010/main" val="2520217842"/>
       </p:ext>
     </p:extLst>
   </p:cSld>

--- a/Презентация_Быченков_ИКБО-32-21.pptx
+++ b/Презентация_Быченков_ИКБО-32-21.pptx
@@ -6500,7 +6500,7 @@
         </p:blipFill>
         <p:spPr>
           <a:xfrm>
-            <a:off x="-1" y="133940"/>
+            <a:off x="-1" y="143084"/>
             <a:ext cx="12192000" cy="5930900"/>
           </a:xfrm>
           <a:prstGeom prst="rect">
